--- a/prez_1.pptx
+++ b/prez_1.pptx
@@ -1948,7 +1948,7 @@
       </dgm:t>
     </dgm:pt>
     <dgm:pt modelId="{02323206-276A-FD44-BBC0-2817CC29CCD6}" type="pres">
-      <dgm:prSet presAssocID="{76511FE6-80B3-6445-9F65-6ACD3234B1D3}" presName="sibTrans" presStyleLbl="sibTrans2D1" presStyleIdx="0" presStyleCnt="3"/>
+      <dgm:prSet presAssocID="{76511FE6-80B3-6445-9F65-6ACD3234B1D3}" presName="sibTrans" presStyleLbl="sibTrans2D1" presStyleIdx="0" presStyleCnt="3" custScaleX="137582" custScaleY="229356"/>
       <dgm:spPr/>
       <dgm:t>
         <a:bodyPr/>
@@ -1985,7 +1985,7 @@
       </dgm:t>
     </dgm:pt>
     <dgm:pt modelId="{0CC2119B-CE4F-144A-B20E-46777406E83A}" type="pres">
-      <dgm:prSet presAssocID="{6ACB259C-CAF9-5446-9779-207C84A2A7F3}" presName="sibTrans" presStyleLbl="sibTrans2D1" presStyleIdx="1" presStyleCnt="3"/>
+      <dgm:prSet presAssocID="{6ACB259C-CAF9-5446-9779-207C84A2A7F3}" presName="sibTrans" presStyleLbl="sibTrans2D1" presStyleIdx="1" presStyleCnt="3" custScaleY="217143"/>
       <dgm:spPr/>
       <dgm:t>
         <a:bodyPr/>
@@ -2022,8 +2022,12 @@
       </dgm:t>
     </dgm:pt>
     <dgm:pt modelId="{81202371-4735-F543-BA19-47AB362A82EC}" type="pres">
-      <dgm:prSet presAssocID="{BA60FEA0-2AC2-D541-B9BB-758A3B01575C}" presName="sibTrans" presStyleLbl="sibTrans2D1" presStyleIdx="2" presStyleCnt="3"/>
-      <dgm:spPr/>
+      <dgm:prSet presAssocID="{BA60FEA0-2AC2-D541-B9BB-758A3B01575C}" presName="sibTrans" presStyleLbl="sibTrans2D1" presStyleIdx="2" presStyleCnt="3" custScaleX="143316" custScaleY="284757"/>
+      <dgm:spPr>
+        <a:prstGeom prst="leftRightArrow">
+          <a:avLst/>
+        </a:prstGeom>
+      </dgm:spPr>
       <dgm:t>
         <a:bodyPr/>
         <a:lstStyle/>
@@ -2100,14 +2104,22 @@
         <a:lstStyle/>
         <a:p>
           <a:r>
-            <a:rPr lang="en-US" dirty="0" err="1" smtClean="0">
+            <a:rPr lang="en-US" dirty="0" smtClean="0">
               <a:solidFill>
                 <a:schemeClr val="tx1"/>
               </a:solidFill>
             </a:rPr>
-            <a:t>Ethereum</a:t>
+            <a:t>SC - </a:t>
           </a:r>
-          <a:endParaRPr lang="ru-RU" dirty="0">
+          <a:r>
+            <a:rPr lang="ru-RU" dirty="0" smtClean="0">
+              <a:solidFill>
+                <a:schemeClr val="tx1"/>
+              </a:solidFill>
+            </a:rPr>
+            <a:t>расчёты</a:t>
+          </a:r>
+          <a:endParaRPr lang="ru-RU" b="1" dirty="0">
             <a:solidFill>
               <a:schemeClr val="tx1"/>
             </a:solidFill>
@@ -2145,67 +2157,6 @@
         </a:p>
       </dgm:t>
     </dgm:pt>
-    <dgm:pt modelId="{440FAE12-2D93-BE41-AA0A-4CE48E9A61CD}" type="asst">
-      <dgm:prSet phldrT="[Текст]"/>
-      <dgm:spPr/>
-      <dgm:t>
-        <a:bodyPr/>
-        <a:lstStyle/>
-        <a:p>
-          <a:r>
-            <a:rPr lang="en-US" dirty="0" smtClean="0">
-              <a:solidFill>
-                <a:schemeClr val="tx1"/>
-              </a:solidFill>
-            </a:rPr>
-            <a:t>SC - </a:t>
-          </a:r>
-          <a:r>
-            <a:rPr lang="ru-RU" dirty="0" smtClean="0">
-              <a:solidFill>
-                <a:schemeClr val="tx1"/>
-              </a:solidFill>
-            </a:rPr>
-            <a:t>расчёты</a:t>
-          </a:r>
-          <a:endParaRPr lang="ru-RU" dirty="0">
-            <a:solidFill>
-              <a:schemeClr val="tx1"/>
-            </a:solidFill>
-          </a:endParaRPr>
-        </a:p>
-      </dgm:t>
-    </dgm:pt>
-    <dgm:pt modelId="{F49E8E27-7183-5849-9AD3-7ACBCB4C8FB9}" type="parTrans" cxnId="{C82E68B6-9188-0148-BBAA-8AF63B53C2B0}">
-      <dgm:prSet/>
-      <dgm:spPr/>
-      <dgm:t>
-        <a:bodyPr/>
-        <a:lstStyle/>
-        <a:p>
-          <a:endParaRPr lang="ru-RU">
-            <a:solidFill>
-              <a:schemeClr val="tx1"/>
-            </a:solidFill>
-          </a:endParaRPr>
-        </a:p>
-      </dgm:t>
-    </dgm:pt>
-    <dgm:pt modelId="{86A56AD9-24A6-804E-B974-1A789A79F4D6}" type="sibTrans" cxnId="{C82E68B6-9188-0148-BBAA-8AF63B53C2B0}">
-      <dgm:prSet/>
-      <dgm:spPr/>
-      <dgm:t>
-        <a:bodyPr/>
-        <a:lstStyle/>
-        <a:p>
-          <a:endParaRPr lang="ru-RU">
-            <a:solidFill>
-              <a:schemeClr val="tx1"/>
-            </a:solidFill>
-          </a:endParaRPr>
-        </a:p>
-      </dgm:t>
-    </dgm:pt>
     <dgm:pt modelId="{033032F5-F7D5-B747-8760-41A7717A74C5}">
       <dgm:prSet phldrT="[Текст]"/>
       <dgm:spPr/>
@@ -2221,7 +2172,15 @@
             </a:rPr>
             <a:t>Компания</a:t>
           </a:r>
-          <a:endParaRPr lang="ru-RU" dirty="0">
+          <a:r>
+            <a:rPr lang="en-US" dirty="0" smtClean="0">
+              <a:solidFill>
+                <a:schemeClr val="tx1"/>
+              </a:solidFill>
+            </a:rPr>
+            <a:t> (EOA)</a:t>
+          </a:r>
+          <a:endParaRPr lang="ru-RU" baseline="0" dirty="0">
             <a:solidFill>
               <a:schemeClr val="tx1"/>
             </a:solidFill>
@@ -2272,9 +2231,17 @@
                 <a:schemeClr val="tx1"/>
               </a:solidFill>
             </a:rPr>
-            <a:t>Домохозяйство 1</a:t>
+            <a:t>Домохозяйство </a:t>
           </a:r>
-          <a:endParaRPr lang="ru-RU" dirty="0">
+          <a:r>
+            <a:rPr lang="en-US" dirty="0" smtClean="0">
+              <a:solidFill>
+                <a:schemeClr val="tx1"/>
+              </a:solidFill>
+            </a:rPr>
+            <a:t>(EOA)</a:t>
+          </a:r>
+          <a:endParaRPr lang="ru-RU" baseline="30000" dirty="0">
             <a:solidFill>
               <a:schemeClr val="tx1"/>
             </a:solidFill>
@@ -2325,9 +2292,17 @@
                 <a:schemeClr val="tx1"/>
               </a:solidFill>
             </a:rPr>
-            <a:t>Домохозяйство 2</a:t>
+            <a:t>Домохозяйство </a:t>
           </a:r>
-          <a:endParaRPr lang="ru-RU" dirty="0">
+          <a:r>
+            <a:rPr lang="en-US" smtClean="0">
+              <a:solidFill>
+                <a:schemeClr val="tx1"/>
+              </a:solidFill>
+            </a:rPr>
+            <a:t>(EOA)</a:t>
+          </a:r>
+          <a:endParaRPr lang="ru-RU" baseline="30000" dirty="0">
             <a:solidFill>
               <a:schemeClr val="tx1"/>
             </a:solidFill>
@@ -2377,6 +2352,13 @@
         </dgm:presLayoutVars>
       </dgm:prSet>
       <dgm:spPr/>
+      <dgm:t>
+        <a:bodyPr/>
+        <a:lstStyle/>
+        <a:p>
+          <a:endParaRPr lang="ru-RU"/>
+        </a:p>
+      </dgm:t>
     </dgm:pt>
     <dgm:pt modelId="{E0B8C476-DCE4-FC46-BD53-0A053376B2CA}" type="pres">
       <dgm:prSet presAssocID="{BCEAE01E-9D75-DB4B-9FE4-D481F4037756}" presName="hierRoot1" presStyleCnt="0">
@@ -2406,24 +2388,38 @@
       </dgm:t>
     </dgm:pt>
     <dgm:pt modelId="{B6A783AA-5683-A943-A364-523D32172720}" type="pres">
-      <dgm:prSet presAssocID="{BCEAE01E-9D75-DB4B-9FE4-D481F4037756}" presName="topArc1" presStyleLbl="parChTrans1D1" presStyleIdx="0" presStyleCnt="10"/>
+      <dgm:prSet presAssocID="{BCEAE01E-9D75-DB4B-9FE4-D481F4037756}" presName="topArc1" presStyleLbl="parChTrans1D1" presStyleIdx="0" presStyleCnt="8"/>
       <dgm:spPr/>
     </dgm:pt>
     <dgm:pt modelId="{35E55739-8AAD-5E4C-AC03-356B78E8F5B5}" type="pres">
-      <dgm:prSet presAssocID="{BCEAE01E-9D75-DB4B-9FE4-D481F4037756}" presName="bottomArc1" presStyleLbl="parChTrans1D1" presStyleIdx="1" presStyleCnt="10"/>
+      <dgm:prSet presAssocID="{BCEAE01E-9D75-DB4B-9FE4-D481F4037756}" presName="bottomArc1" presStyleLbl="parChTrans1D1" presStyleIdx="1" presStyleCnt="8"/>
       <dgm:spPr/>
     </dgm:pt>
     <dgm:pt modelId="{79470935-F9A6-1B4F-A82B-44E1B5E8585B}" type="pres">
       <dgm:prSet presAssocID="{BCEAE01E-9D75-DB4B-9FE4-D481F4037756}" presName="topConnNode1" presStyleLbl="node1" presStyleIdx="0" presStyleCnt="0"/>
       <dgm:spPr/>
+      <dgm:t>
+        <a:bodyPr/>
+        <a:lstStyle/>
+        <a:p>
+          <a:endParaRPr lang="ru-RU"/>
+        </a:p>
+      </dgm:t>
     </dgm:pt>
     <dgm:pt modelId="{DE4CB0BE-0ECD-ED4D-AA2B-7DFAAEBD8BE2}" type="pres">
       <dgm:prSet presAssocID="{BCEAE01E-9D75-DB4B-9FE4-D481F4037756}" presName="hierChild2" presStyleCnt="0"/>
       <dgm:spPr/>
     </dgm:pt>
     <dgm:pt modelId="{AC6CDFBC-A92C-8A43-82A4-9D8E722D4AEE}" type="pres">
-      <dgm:prSet presAssocID="{D742C1D2-EF1B-4145-8BB2-FB5EC03ECDF6}" presName="Name28" presStyleLbl="parChTrans1D2" presStyleIdx="0" presStyleCnt="4"/>
+      <dgm:prSet presAssocID="{D742C1D2-EF1B-4145-8BB2-FB5EC03ECDF6}" presName="Name28" presStyleLbl="parChTrans1D2" presStyleIdx="0" presStyleCnt="3"/>
       <dgm:spPr/>
+      <dgm:t>
+        <a:bodyPr/>
+        <a:lstStyle/>
+        <a:p>
+          <a:endParaRPr lang="ru-RU"/>
+        </a:p>
+      </dgm:t>
     </dgm:pt>
     <dgm:pt modelId="{69D762DD-7246-A649-A57F-D51FF2C46A88}" type="pres">
       <dgm:prSet presAssocID="{033032F5-F7D5-B747-8760-41A7717A74C5}" presName="hierRoot2" presStyleCnt="0">
@@ -2444,18 +2440,32 @@
         </dgm:presLayoutVars>
       </dgm:prSet>
       <dgm:spPr/>
+      <dgm:t>
+        <a:bodyPr/>
+        <a:lstStyle/>
+        <a:p>
+          <a:endParaRPr lang="ru-RU"/>
+        </a:p>
+      </dgm:t>
     </dgm:pt>
     <dgm:pt modelId="{E3E178AE-0C27-7046-AB02-EB2B2E8DDF80}" type="pres">
-      <dgm:prSet presAssocID="{033032F5-F7D5-B747-8760-41A7717A74C5}" presName="topArc2" presStyleLbl="parChTrans1D1" presStyleIdx="2" presStyleCnt="10"/>
+      <dgm:prSet presAssocID="{033032F5-F7D5-B747-8760-41A7717A74C5}" presName="topArc2" presStyleLbl="parChTrans1D1" presStyleIdx="2" presStyleCnt="8"/>
       <dgm:spPr/>
     </dgm:pt>
     <dgm:pt modelId="{0D3501B3-A6B5-FB4D-8723-5D3898B8BFBC}" type="pres">
-      <dgm:prSet presAssocID="{033032F5-F7D5-B747-8760-41A7717A74C5}" presName="bottomArc2" presStyleLbl="parChTrans1D1" presStyleIdx="3" presStyleCnt="10"/>
+      <dgm:prSet presAssocID="{033032F5-F7D5-B747-8760-41A7717A74C5}" presName="bottomArc2" presStyleLbl="parChTrans1D1" presStyleIdx="3" presStyleCnt="8"/>
       <dgm:spPr/>
     </dgm:pt>
     <dgm:pt modelId="{A54C1C3E-3AF2-8244-A69E-557FC7C01922}" type="pres">
       <dgm:prSet presAssocID="{033032F5-F7D5-B747-8760-41A7717A74C5}" presName="topConnNode2" presStyleLbl="node2" presStyleIdx="0" presStyleCnt="0"/>
       <dgm:spPr/>
+      <dgm:t>
+        <a:bodyPr/>
+        <a:lstStyle/>
+        <a:p>
+          <a:endParaRPr lang="ru-RU"/>
+        </a:p>
+      </dgm:t>
     </dgm:pt>
     <dgm:pt modelId="{9FB846CF-0015-EC41-AE32-FBD31A8BE2BE}" type="pres">
       <dgm:prSet presAssocID="{033032F5-F7D5-B747-8760-41A7717A74C5}" presName="hierChild4" presStyleCnt="0"/>
@@ -2466,8 +2476,15 @@
       <dgm:spPr/>
     </dgm:pt>
     <dgm:pt modelId="{7EA9891F-C09B-D041-9625-F7A0330248E6}" type="pres">
-      <dgm:prSet presAssocID="{FCA050FB-378F-E144-A3F6-BD007FC6855F}" presName="Name28" presStyleLbl="parChTrans1D2" presStyleIdx="1" presStyleCnt="4"/>
+      <dgm:prSet presAssocID="{FCA050FB-378F-E144-A3F6-BD007FC6855F}" presName="Name28" presStyleLbl="parChTrans1D2" presStyleIdx="1" presStyleCnt="3"/>
       <dgm:spPr/>
+      <dgm:t>
+        <a:bodyPr/>
+        <a:lstStyle/>
+        <a:p>
+          <a:endParaRPr lang="ru-RU"/>
+        </a:p>
+      </dgm:t>
     </dgm:pt>
     <dgm:pt modelId="{BB6A8869-AF3D-B847-8043-549E131D7BF0}" type="pres">
       <dgm:prSet presAssocID="{D6F49AB1-CE4A-E04B-B038-4E5006063969}" presName="hierRoot2" presStyleCnt="0">
@@ -2488,18 +2505,32 @@
         </dgm:presLayoutVars>
       </dgm:prSet>
       <dgm:spPr/>
+      <dgm:t>
+        <a:bodyPr/>
+        <a:lstStyle/>
+        <a:p>
+          <a:endParaRPr lang="ru-RU"/>
+        </a:p>
+      </dgm:t>
     </dgm:pt>
     <dgm:pt modelId="{84402DBE-3418-CF4C-8ED1-6294A88AFD62}" type="pres">
-      <dgm:prSet presAssocID="{D6F49AB1-CE4A-E04B-B038-4E5006063969}" presName="topArc2" presStyleLbl="parChTrans1D1" presStyleIdx="4" presStyleCnt="10"/>
+      <dgm:prSet presAssocID="{D6F49AB1-CE4A-E04B-B038-4E5006063969}" presName="topArc2" presStyleLbl="parChTrans1D1" presStyleIdx="4" presStyleCnt="8"/>
       <dgm:spPr/>
     </dgm:pt>
     <dgm:pt modelId="{DCE70075-FFF6-1D40-9A7F-EED5207532C9}" type="pres">
-      <dgm:prSet presAssocID="{D6F49AB1-CE4A-E04B-B038-4E5006063969}" presName="bottomArc2" presStyleLbl="parChTrans1D1" presStyleIdx="5" presStyleCnt="10"/>
+      <dgm:prSet presAssocID="{D6F49AB1-CE4A-E04B-B038-4E5006063969}" presName="bottomArc2" presStyleLbl="parChTrans1D1" presStyleIdx="5" presStyleCnt="8"/>
       <dgm:spPr/>
     </dgm:pt>
     <dgm:pt modelId="{1CE3EFD4-54E2-3348-9F54-903CC06AD25E}" type="pres">
       <dgm:prSet presAssocID="{D6F49AB1-CE4A-E04B-B038-4E5006063969}" presName="topConnNode2" presStyleLbl="node2" presStyleIdx="0" presStyleCnt="0"/>
       <dgm:spPr/>
+      <dgm:t>
+        <a:bodyPr/>
+        <a:lstStyle/>
+        <a:p>
+          <a:endParaRPr lang="ru-RU"/>
+        </a:p>
+      </dgm:t>
     </dgm:pt>
     <dgm:pt modelId="{60ACAABE-C0A2-A846-8267-9614B98FCBCC}" type="pres">
       <dgm:prSet presAssocID="{D6F49AB1-CE4A-E04B-B038-4E5006063969}" presName="hierChild4" presStyleCnt="0"/>
@@ -2510,8 +2541,15 @@
       <dgm:spPr/>
     </dgm:pt>
     <dgm:pt modelId="{00861C94-37BE-E141-855D-CDBE458F7200}" type="pres">
-      <dgm:prSet presAssocID="{224887BF-92DE-604A-B76E-1994041227C0}" presName="Name28" presStyleLbl="parChTrans1D2" presStyleIdx="2" presStyleCnt="4"/>
+      <dgm:prSet presAssocID="{224887BF-92DE-604A-B76E-1994041227C0}" presName="Name28" presStyleLbl="parChTrans1D2" presStyleIdx="2" presStyleCnt="3"/>
       <dgm:spPr/>
+      <dgm:t>
+        <a:bodyPr/>
+        <a:lstStyle/>
+        <a:p>
+          <a:endParaRPr lang="ru-RU"/>
+        </a:p>
+      </dgm:t>
     </dgm:pt>
     <dgm:pt modelId="{23765724-1B8F-F445-8609-D65CD148096F}" type="pres">
       <dgm:prSet presAssocID="{47A9DD43-292F-DF4A-982C-19F94A1F40F2}" presName="hierRoot2" presStyleCnt="0">
@@ -2532,18 +2570,32 @@
         </dgm:presLayoutVars>
       </dgm:prSet>
       <dgm:spPr/>
+      <dgm:t>
+        <a:bodyPr/>
+        <a:lstStyle/>
+        <a:p>
+          <a:endParaRPr lang="ru-RU"/>
+        </a:p>
+      </dgm:t>
     </dgm:pt>
     <dgm:pt modelId="{641B1293-1335-CB46-93AF-6C568947F0D3}" type="pres">
-      <dgm:prSet presAssocID="{47A9DD43-292F-DF4A-982C-19F94A1F40F2}" presName="topArc2" presStyleLbl="parChTrans1D1" presStyleIdx="6" presStyleCnt="10"/>
+      <dgm:prSet presAssocID="{47A9DD43-292F-DF4A-982C-19F94A1F40F2}" presName="topArc2" presStyleLbl="parChTrans1D1" presStyleIdx="6" presStyleCnt="8"/>
       <dgm:spPr/>
     </dgm:pt>
     <dgm:pt modelId="{85ECC30D-3477-0540-8725-09D0B59D91FD}" type="pres">
-      <dgm:prSet presAssocID="{47A9DD43-292F-DF4A-982C-19F94A1F40F2}" presName="bottomArc2" presStyleLbl="parChTrans1D1" presStyleIdx="7" presStyleCnt="10"/>
+      <dgm:prSet presAssocID="{47A9DD43-292F-DF4A-982C-19F94A1F40F2}" presName="bottomArc2" presStyleLbl="parChTrans1D1" presStyleIdx="7" presStyleCnt="8"/>
       <dgm:spPr/>
     </dgm:pt>
     <dgm:pt modelId="{EDE4E607-C6C2-BF4E-8548-F4D374DB325E}" type="pres">
       <dgm:prSet presAssocID="{47A9DD43-292F-DF4A-982C-19F94A1F40F2}" presName="topConnNode2" presStyleLbl="node2" presStyleIdx="0" presStyleCnt="0"/>
       <dgm:spPr/>
+      <dgm:t>
+        <a:bodyPr/>
+        <a:lstStyle/>
+        <a:p>
+          <a:endParaRPr lang="ru-RU"/>
+        </a:p>
+      </dgm:t>
     </dgm:pt>
     <dgm:pt modelId="{14CE38B5-57C6-3241-9384-E65E20C4B493}" type="pres">
       <dgm:prSet presAssocID="{47A9DD43-292F-DF4A-982C-19F94A1F40F2}" presName="hierChild4" presStyleCnt="0"/>
@@ -2557,72 +2609,24 @@
       <dgm:prSet presAssocID="{BCEAE01E-9D75-DB4B-9FE4-D481F4037756}" presName="hierChild3" presStyleCnt="0"/>
       <dgm:spPr/>
     </dgm:pt>
-    <dgm:pt modelId="{09B73AAD-C8C5-724B-90E1-D61B744AE412}" type="pres">
-      <dgm:prSet presAssocID="{F49E8E27-7183-5849-9AD3-7ACBCB4C8FB9}" presName="Name101" presStyleLbl="parChTrans1D2" presStyleIdx="3" presStyleCnt="4"/>
-      <dgm:spPr/>
-    </dgm:pt>
-    <dgm:pt modelId="{AF6E1ACD-DCAD-1343-B94B-F9DDCB117C7C}" type="pres">
-      <dgm:prSet presAssocID="{440FAE12-2D93-BE41-AA0A-4CE48E9A61CD}" presName="hierRoot3" presStyleCnt="0">
-        <dgm:presLayoutVars>
-          <dgm:hierBranch val="init"/>
-        </dgm:presLayoutVars>
-      </dgm:prSet>
-      <dgm:spPr/>
-    </dgm:pt>
-    <dgm:pt modelId="{043E6C25-9CAD-BC4F-A1C3-899527FFC589}" type="pres">
-      <dgm:prSet presAssocID="{440FAE12-2D93-BE41-AA0A-4CE48E9A61CD}" presName="rootComposite3" presStyleCnt="0"/>
-      <dgm:spPr/>
-    </dgm:pt>
-    <dgm:pt modelId="{E3733A71-61E4-C648-B2A7-6192F323818F}" type="pres">
-      <dgm:prSet presAssocID="{440FAE12-2D93-BE41-AA0A-4CE48E9A61CD}" presName="rootText3" presStyleLbl="alignAcc1" presStyleIdx="0" presStyleCnt="0">
-        <dgm:presLayoutVars>
-          <dgm:chPref val="3"/>
-        </dgm:presLayoutVars>
-      </dgm:prSet>
-      <dgm:spPr/>
-    </dgm:pt>
-    <dgm:pt modelId="{879B49D5-0823-0646-A5B3-5EF10D692D3E}" type="pres">
-      <dgm:prSet presAssocID="{440FAE12-2D93-BE41-AA0A-4CE48E9A61CD}" presName="topArc3" presStyleLbl="parChTrans1D1" presStyleIdx="8" presStyleCnt="10"/>
-      <dgm:spPr/>
-    </dgm:pt>
-    <dgm:pt modelId="{58CC4F03-8A8B-784C-9A5E-0AB66062EE35}" type="pres">
-      <dgm:prSet presAssocID="{440FAE12-2D93-BE41-AA0A-4CE48E9A61CD}" presName="bottomArc3" presStyleLbl="parChTrans1D1" presStyleIdx="9" presStyleCnt="10"/>
-      <dgm:spPr/>
-    </dgm:pt>
-    <dgm:pt modelId="{1D4B14E6-0736-D344-AA0A-4821093B2F5F}" type="pres">
-      <dgm:prSet presAssocID="{440FAE12-2D93-BE41-AA0A-4CE48E9A61CD}" presName="topConnNode3" presStyleLbl="asst1" presStyleIdx="0" presStyleCnt="0"/>
-      <dgm:spPr/>
-    </dgm:pt>
-    <dgm:pt modelId="{9ED24F7F-38D6-5E4C-A3BD-8E9F2411EAC9}" type="pres">
-      <dgm:prSet presAssocID="{440FAE12-2D93-BE41-AA0A-4CE48E9A61CD}" presName="hierChild6" presStyleCnt="0"/>
-      <dgm:spPr/>
-    </dgm:pt>
-    <dgm:pt modelId="{1E059464-10EA-7745-93A4-C92EB9455CEA}" type="pres">
-      <dgm:prSet presAssocID="{440FAE12-2D93-BE41-AA0A-4CE48E9A61CD}" presName="hierChild7" presStyleCnt="0"/>
-      <dgm:spPr/>
-    </dgm:pt>
   </dgm:ptLst>
   <dgm:cxnLst>
-    <dgm:cxn modelId="{09FA6CA0-C9F7-8649-A6B5-A295BFDF1879}" srcId="{BCEAE01E-9D75-DB4B-9FE4-D481F4037756}" destId="{47A9DD43-292F-DF4A-982C-19F94A1F40F2}" srcOrd="3" destOrd="0" parTransId="{224887BF-92DE-604A-B76E-1994041227C0}" sibTransId="{0D858178-6FCB-634C-8694-73127DD232F0}"/>
-    <dgm:cxn modelId="{C82E68B6-9188-0148-BBAA-8AF63B53C2B0}" srcId="{BCEAE01E-9D75-DB4B-9FE4-D481F4037756}" destId="{440FAE12-2D93-BE41-AA0A-4CE48E9A61CD}" srcOrd="0" destOrd="0" parTransId="{F49E8E27-7183-5849-9AD3-7ACBCB4C8FB9}" sibTransId="{86A56AD9-24A6-804E-B974-1A789A79F4D6}"/>
-    <dgm:cxn modelId="{5E2CA74C-442D-AC41-8676-6940977C7365}" type="presOf" srcId="{D6F49AB1-CE4A-E04B-B038-4E5006063969}" destId="{B141E56C-1781-7A43-B37D-C7160081ED6E}" srcOrd="0" destOrd="0" presId="urn:microsoft.com/office/officeart/2008/layout/HalfCircleOrganizationChart"/>
+    <dgm:cxn modelId="{55B8C087-B255-5747-A3A8-A80E99014D7E}" type="presOf" srcId="{224887BF-92DE-604A-B76E-1994041227C0}" destId="{00861C94-37BE-E141-855D-CDBE458F7200}" srcOrd="0" destOrd="0" presId="urn:microsoft.com/office/officeart/2008/layout/HalfCircleOrganizationChart"/>
+    <dgm:cxn modelId="{09FA6CA0-C9F7-8649-A6B5-A295BFDF1879}" srcId="{BCEAE01E-9D75-DB4B-9FE4-D481F4037756}" destId="{47A9DD43-292F-DF4A-982C-19F94A1F40F2}" srcOrd="2" destOrd="0" parTransId="{224887BF-92DE-604A-B76E-1994041227C0}" sibTransId="{0D858178-6FCB-634C-8694-73127DD232F0}"/>
+    <dgm:cxn modelId="{3AAB90B7-3BAC-F34F-820E-8710FEA265AB}" type="presOf" srcId="{D6F49AB1-CE4A-E04B-B038-4E5006063969}" destId="{1CE3EFD4-54E2-3348-9F54-903CC06AD25E}" srcOrd="1" destOrd="0" presId="urn:microsoft.com/office/officeart/2008/layout/HalfCircleOrganizationChart"/>
+    <dgm:cxn modelId="{74BE75FA-35AF-864E-9A7D-6ADCB24A70C3}" type="presOf" srcId="{D6F49AB1-CE4A-E04B-B038-4E5006063969}" destId="{B141E56C-1781-7A43-B37D-C7160081ED6E}" srcOrd="0" destOrd="0" presId="urn:microsoft.com/office/officeart/2008/layout/HalfCircleOrganizationChart"/>
     <dgm:cxn modelId="{2B4BC9FA-6803-8947-BB64-FF1C56FB117A}" type="presOf" srcId="{7B7BAF10-F882-1443-9E4A-42A8570202BE}" destId="{F707C764-69FD-E343-AFD2-2969B8A3FC11}" srcOrd="0" destOrd="0" presId="urn:microsoft.com/office/officeart/2008/layout/HalfCircleOrganizationChart"/>
-    <dgm:cxn modelId="{E6278FBA-0966-2447-AEC8-E11A7A1EA4D1}" type="presOf" srcId="{47A9DD43-292F-DF4A-982C-19F94A1F40F2}" destId="{9825EF89-4CAB-6246-BE70-D7146303729A}" srcOrd="0" destOrd="0" presId="urn:microsoft.com/office/officeart/2008/layout/HalfCircleOrganizationChart"/>
-    <dgm:cxn modelId="{13AEC2D0-07E6-B647-95D0-C99CD834215F}" type="presOf" srcId="{033032F5-F7D5-B747-8760-41A7717A74C5}" destId="{A54C1C3E-3AF2-8244-A69E-557FC7C01922}" srcOrd="1" destOrd="0" presId="urn:microsoft.com/office/officeart/2008/layout/HalfCircleOrganizationChart"/>
-    <dgm:cxn modelId="{EAF09E43-D87C-384D-A451-E183E1549811}" srcId="{BCEAE01E-9D75-DB4B-9FE4-D481F4037756}" destId="{033032F5-F7D5-B747-8760-41A7717A74C5}" srcOrd="1" destOrd="0" parTransId="{D742C1D2-EF1B-4145-8BB2-FB5EC03ECDF6}" sibTransId="{B1A28822-864C-B548-B069-903230C3E1A5}"/>
-    <dgm:cxn modelId="{1ADBE4CB-851D-EE43-A77B-01DC42666E37}" type="presOf" srcId="{440FAE12-2D93-BE41-AA0A-4CE48E9A61CD}" destId="{E3733A71-61E4-C648-B2A7-6192F323818F}" srcOrd="0" destOrd="0" presId="urn:microsoft.com/office/officeart/2008/layout/HalfCircleOrganizationChart"/>
+    <dgm:cxn modelId="{EAF09E43-D87C-384D-A451-E183E1549811}" srcId="{BCEAE01E-9D75-DB4B-9FE4-D481F4037756}" destId="{033032F5-F7D5-B747-8760-41A7717A74C5}" srcOrd="0" destOrd="0" parTransId="{D742C1D2-EF1B-4145-8BB2-FB5EC03ECDF6}" sibTransId="{B1A28822-864C-B548-B069-903230C3E1A5}"/>
+    <dgm:cxn modelId="{838C59B6-4D81-374F-9B23-85277633B119}" type="presOf" srcId="{033032F5-F7D5-B747-8760-41A7717A74C5}" destId="{3A12CABD-42B6-C142-BAE0-16558444C114}" srcOrd="0" destOrd="0" presId="urn:microsoft.com/office/officeart/2008/layout/HalfCircleOrganizationChart"/>
     <dgm:cxn modelId="{7A48DB31-6C43-534E-BA7E-E2D2258A6C2A}" type="presOf" srcId="{BCEAE01E-9D75-DB4B-9FE4-D481F4037756}" destId="{F5E0B353-2F24-9A44-9F8C-514936D6C86B}" srcOrd="0" destOrd="0" presId="urn:microsoft.com/office/officeart/2008/layout/HalfCircleOrganizationChart"/>
-    <dgm:cxn modelId="{C147AFD8-8594-9B4E-9E68-3356337BBBA6}" type="presOf" srcId="{47A9DD43-292F-DF4A-982C-19F94A1F40F2}" destId="{EDE4E607-C6C2-BF4E-8548-F4D374DB325E}" srcOrd="1" destOrd="0" presId="urn:microsoft.com/office/officeart/2008/layout/HalfCircleOrganizationChart"/>
     <dgm:cxn modelId="{4FFCC7A3-5F7F-1A46-A53C-BF250E208695}" type="presOf" srcId="{BCEAE01E-9D75-DB4B-9FE4-D481F4037756}" destId="{79470935-F9A6-1B4F-A82B-44E1B5E8585B}" srcOrd="1" destOrd="0" presId="urn:microsoft.com/office/officeart/2008/layout/HalfCircleOrganizationChart"/>
     <dgm:cxn modelId="{FA662EE8-7764-4248-AC7B-E0111D805497}" srcId="{7B7BAF10-F882-1443-9E4A-42A8570202BE}" destId="{BCEAE01E-9D75-DB4B-9FE4-D481F4037756}" srcOrd="0" destOrd="0" parTransId="{97B1788F-BCA6-2143-BE2E-20A2DA3D7580}" sibTransId="{452559AC-FF93-DE4C-9E0C-6A4946F9993E}"/>
-    <dgm:cxn modelId="{4D52C980-E63F-A74C-9747-A7009D7531FE}" type="presOf" srcId="{FCA050FB-378F-E144-A3F6-BD007FC6855F}" destId="{7EA9891F-C09B-D041-9625-F7A0330248E6}" srcOrd="0" destOrd="0" presId="urn:microsoft.com/office/officeart/2008/layout/HalfCircleOrganizationChart"/>
-    <dgm:cxn modelId="{61E29CB3-593B-804E-9637-D7583E016207}" srcId="{BCEAE01E-9D75-DB4B-9FE4-D481F4037756}" destId="{D6F49AB1-CE4A-E04B-B038-4E5006063969}" srcOrd="2" destOrd="0" parTransId="{FCA050FB-378F-E144-A3F6-BD007FC6855F}" sibTransId="{7D1643F8-8E69-A544-9F9A-CD677861DBEF}"/>
-    <dgm:cxn modelId="{DDFD3717-8FBB-2A4F-8D89-D8B27D18F1FE}" type="presOf" srcId="{440FAE12-2D93-BE41-AA0A-4CE48E9A61CD}" destId="{1D4B14E6-0736-D344-AA0A-4821093B2F5F}" srcOrd="1" destOrd="0" presId="urn:microsoft.com/office/officeart/2008/layout/HalfCircleOrganizationChart"/>
-    <dgm:cxn modelId="{7D83097E-340B-EB46-958F-C65B1E21DB23}" type="presOf" srcId="{224887BF-92DE-604A-B76E-1994041227C0}" destId="{00861C94-37BE-E141-855D-CDBE458F7200}" srcOrd="0" destOrd="0" presId="urn:microsoft.com/office/officeart/2008/layout/HalfCircleOrganizationChart"/>
-    <dgm:cxn modelId="{4EEE2825-1934-6A4A-89F4-41621BF06191}" type="presOf" srcId="{033032F5-F7D5-B747-8760-41A7717A74C5}" destId="{3A12CABD-42B6-C142-BAE0-16558444C114}" srcOrd="0" destOrd="0" presId="urn:microsoft.com/office/officeart/2008/layout/HalfCircleOrganizationChart"/>
-    <dgm:cxn modelId="{7B3A90A4-D610-2A4E-A34A-CA713049DB76}" type="presOf" srcId="{D6F49AB1-CE4A-E04B-B038-4E5006063969}" destId="{1CE3EFD4-54E2-3348-9F54-903CC06AD25E}" srcOrd="1" destOrd="0" presId="urn:microsoft.com/office/officeart/2008/layout/HalfCircleOrganizationChart"/>
-    <dgm:cxn modelId="{A52739BB-664B-7144-A262-F9211BA12F07}" type="presOf" srcId="{D742C1D2-EF1B-4145-8BB2-FB5EC03ECDF6}" destId="{AC6CDFBC-A92C-8A43-82A4-9D8E722D4AEE}" srcOrd="0" destOrd="0" presId="urn:microsoft.com/office/officeart/2008/layout/HalfCircleOrganizationChart"/>
-    <dgm:cxn modelId="{5D17F8EA-F9DA-CF45-84D2-ECE4D178EC27}" type="presOf" srcId="{F49E8E27-7183-5849-9AD3-7ACBCB4C8FB9}" destId="{09B73AAD-C8C5-724B-90E1-D61B744AE412}" srcOrd="0" destOrd="0" presId="urn:microsoft.com/office/officeart/2008/layout/HalfCircleOrganizationChart"/>
+    <dgm:cxn modelId="{4F636EC4-220A-C643-B185-E6F818288B06}" type="presOf" srcId="{FCA050FB-378F-E144-A3F6-BD007FC6855F}" destId="{7EA9891F-C09B-D041-9625-F7A0330248E6}" srcOrd="0" destOrd="0" presId="urn:microsoft.com/office/officeart/2008/layout/HalfCircleOrganizationChart"/>
+    <dgm:cxn modelId="{811A897B-B3A2-7B46-8713-F0A89EF614C1}" type="presOf" srcId="{47A9DD43-292F-DF4A-982C-19F94A1F40F2}" destId="{EDE4E607-C6C2-BF4E-8548-F4D374DB325E}" srcOrd="1" destOrd="0" presId="urn:microsoft.com/office/officeart/2008/layout/HalfCircleOrganizationChart"/>
+    <dgm:cxn modelId="{61E29CB3-593B-804E-9637-D7583E016207}" srcId="{BCEAE01E-9D75-DB4B-9FE4-D481F4037756}" destId="{D6F49AB1-CE4A-E04B-B038-4E5006063969}" srcOrd="1" destOrd="0" parTransId="{FCA050FB-378F-E144-A3F6-BD007FC6855F}" sibTransId="{7D1643F8-8E69-A544-9F9A-CD677861DBEF}"/>
+    <dgm:cxn modelId="{9DB13380-0D0C-424C-8AEC-44042D2B3A76}" type="presOf" srcId="{033032F5-F7D5-B747-8760-41A7717A74C5}" destId="{A54C1C3E-3AF2-8244-A69E-557FC7C01922}" srcOrd="1" destOrd="0" presId="urn:microsoft.com/office/officeart/2008/layout/HalfCircleOrganizationChart"/>
+    <dgm:cxn modelId="{7C68B949-ADC3-7A43-9099-10A656F8E9A2}" type="presOf" srcId="{D742C1D2-EF1B-4145-8BB2-FB5EC03ECDF6}" destId="{AC6CDFBC-A92C-8A43-82A4-9D8E722D4AEE}" srcOrd="0" destOrd="0" presId="urn:microsoft.com/office/officeart/2008/layout/HalfCircleOrganizationChart"/>
+    <dgm:cxn modelId="{8B7D1DA9-DFF9-994F-94AD-70BFA9091373}" type="presOf" srcId="{47A9DD43-292F-DF4A-982C-19F94A1F40F2}" destId="{9825EF89-4CAB-6246-BE70-D7146303729A}" srcOrd="0" destOrd="0" presId="urn:microsoft.com/office/officeart/2008/layout/HalfCircleOrganizationChart"/>
     <dgm:cxn modelId="{79C99C92-EACB-DB45-8C2B-9FD88C5C58CA}" type="presParOf" srcId="{F707C764-69FD-E343-AFD2-2969B8A3FC11}" destId="{E0B8C476-DCE4-FC46-BD53-0A053376B2CA}" srcOrd="0" destOrd="0" presId="urn:microsoft.com/office/officeart/2008/layout/HalfCircleOrganizationChart"/>
     <dgm:cxn modelId="{5E7EC03A-248A-1947-942B-7AFCFBC6CCAC}" type="presParOf" srcId="{E0B8C476-DCE4-FC46-BD53-0A053376B2CA}" destId="{70128DE4-ECCE-3F49-99C8-09D56F0EF658}" srcOrd="0" destOrd="0" presId="urn:microsoft.com/office/officeart/2008/layout/HalfCircleOrganizationChart"/>
     <dgm:cxn modelId="{17B410EF-8821-ED47-AF9A-775EB10353C7}" type="presParOf" srcId="{70128DE4-ECCE-3F49-99C8-09D56F0EF658}" destId="{F5E0B353-2F24-9A44-9F8C-514936D6C86B}" srcOrd="0" destOrd="0" presId="urn:microsoft.com/office/officeart/2008/layout/HalfCircleOrganizationChart"/>
@@ -2630,43 +2634,34 @@
     <dgm:cxn modelId="{A3AD634A-D937-A748-B034-4CEEFA9C5BC2}" type="presParOf" srcId="{70128DE4-ECCE-3F49-99C8-09D56F0EF658}" destId="{35E55739-8AAD-5E4C-AC03-356B78E8F5B5}" srcOrd="2" destOrd="0" presId="urn:microsoft.com/office/officeart/2008/layout/HalfCircleOrganizationChart"/>
     <dgm:cxn modelId="{9592CB2A-4023-6A4C-9AFE-5A05D739AD66}" type="presParOf" srcId="{70128DE4-ECCE-3F49-99C8-09D56F0EF658}" destId="{79470935-F9A6-1B4F-A82B-44E1B5E8585B}" srcOrd="3" destOrd="0" presId="urn:microsoft.com/office/officeart/2008/layout/HalfCircleOrganizationChart"/>
     <dgm:cxn modelId="{E9C08E64-6A15-7E4F-B8FC-46D0E237240C}" type="presParOf" srcId="{E0B8C476-DCE4-FC46-BD53-0A053376B2CA}" destId="{DE4CB0BE-0ECD-ED4D-AA2B-7DFAAEBD8BE2}" srcOrd="1" destOrd="0" presId="urn:microsoft.com/office/officeart/2008/layout/HalfCircleOrganizationChart"/>
-    <dgm:cxn modelId="{7364A442-9694-E24A-939F-60A05EEF4AEB}" type="presParOf" srcId="{DE4CB0BE-0ECD-ED4D-AA2B-7DFAAEBD8BE2}" destId="{AC6CDFBC-A92C-8A43-82A4-9D8E722D4AEE}" srcOrd="0" destOrd="0" presId="urn:microsoft.com/office/officeart/2008/layout/HalfCircleOrganizationChart"/>
-    <dgm:cxn modelId="{32573BEB-6778-2E46-8FDA-78F747EA0695}" type="presParOf" srcId="{DE4CB0BE-0ECD-ED4D-AA2B-7DFAAEBD8BE2}" destId="{69D762DD-7246-A649-A57F-D51FF2C46A88}" srcOrd="1" destOrd="0" presId="urn:microsoft.com/office/officeart/2008/layout/HalfCircleOrganizationChart"/>
-    <dgm:cxn modelId="{AC1F69AD-8581-A94D-9626-E8EE042600A6}" type="presParOf" srcId="{69D762DD-7246-A649-A57F-D51FF2C46A88}" destId="{907F72EF-B097-3A4B-8770-297E798000C7}" srcOrd="0" destOrd="0" presId="urn:microsoft.com/office/officeart/2008/layout/HalfCircleOrganizationChart"/>
-    <dgm:cxn modelId="{90799AD8-0215-6842-B616-3D2E82B805C3}" type="presParOf" srcId="{907F72EF-B097-3A4B-8770-297E798000C7}" destId="{3A12CABD-42B6-C142-BAE0-16558444C114}" srcOrd="0" destOrd="0" presId="urn:microsoft.com/office/officeart/2008/layout/HalfCircleOrganizationChart"/>
-    <dgm:cxn modelId="{F99621E9-28D0-634F-9024-A5EC3A14F29D}" type="presParOf" srcId="{907F72EF-B097-3A4B-8770-297E798000C7}" destId="{E3E178AE-0C27-7046-AB02-EB2B2E8DDF80}" srcOrd="1" destOrd="0" presId="urn:microsoft.com/office/officeart/2008/layout/HalfCircleOrganizationChart"/>
-    <dgm:cxn modelId="{8A71FEA9-A813-EB43-A5A5-5DC7984BD983}" type="presParOf" srcId="{907F72EF-B097-3A4B-8770-297E798000C7}" destId="{0D3501B3-A6B5-FB4D-8723-5D3898B8BFBC}" srcOrd="2" destOrd="0" presId="urn:microsoft.com/office/officeart/2008/layout/HalfCircleOrganizationChart"/>
-    <dgm:cxn modelId="{DD3BDD51-2543-D242-8E71-E9DE3AB60347}" type="presParOf" srcId="{907F72EF-B097-3A4B-8770-297E798000C7}" destId="{A54C1C3E-3AF2-8244-A69E-557FC7C01922}" srcOrd="3" destOrd="0" presId="urn:microsoft.com/office/officeart/2008/layout/HalfCircleOrganizationChart"/>
-    <dgm:cxn modelId="{CD7E3335-1571-3A4A-AFC7-F96C4402D888}" type="presParOf" srcId="{69D762DD-7246-A649-A57F-D51FF2C46A88}" destId="{9FB846CF-0015-EC41-AE32-FBD31A8BE2BE}" srcOrd="1" destOrd="0" presId="urn:microsoft.com/office/officeart/2008/layout/HalfCircleOrganizationChart"/>
-    <dgm:cxn modelId="{B30985DD-8B4F-8243-B1F4-0D97D497EAB3}" type="presParOf" srcId="{69D762DD-7246-A649-A57F-D51FF2C46A88}" destId="{A25899B9-866A-DB46-911B-73AEDE97DABA}" srcOrd="2" destOrd="0" presId="urn:microsoft.com/office/officeart/2008/layout/HalfCircleOrganizationChart"/>
-    <dgm:cxn modelId="{1B4189FF-D760-9144-9D84-A9F98BA424C5}" type="presParOf" srcId="{DE4CB0BE-0ECD-ED4D-AA2B-7DFAAEBD8BE2}" destId="{7EA9891F-C09B-D041-9625-F7A0330248E6}" srcOrd="2" destOrd="0" presId="urn:microsoft.com/office/officeart/2008/layout/HalfCircleOrganizationChart"/>
-    <dgm:cxn modelId="{419DE3B0-B8C4-4F48-8C18-219E0C1482A2}" type="presParOf" srcId="{DE4CB0BE-0ECD-ED4D-AA2B-7DFAAEBD8BE2}" destId="{BB6A8869-AF3D-B847-8043-549E131D7BF0}" srcOrd="3" destOrd="0" presId="urn:microsoft.com/office/officeart/2008/layout/HalfCircleOrganizationChart"/>
-    <dgm:cxn modelId="{495A9D08-853F-3449-A850-C25FFC00597E}" type="presParOf" srcId="{BB6A8869-AF3D-B847-8043-549E131D7BF0}" destId="{F337EC93-4F91-694F-B107-3BD7A7327743}" srcOrd="0" destOrd="0" presId="urn:microsoft.com/office/officeart/2008/layout/HalfCircleOrganizationChart"/>
-    <dgm:cxn modelId="{39F3C310-EE0B-7046-9AAE-1539EDF5CCFA}" type="presParOf" srcId="{F337EC93-4F91-694F-B107-3BD7A7327743}" destId="{B141E56C-1781-7A43-B37D-C7160081ED6E}" srcOrd="0" destOrd="0" presId="urn:microsoft.com/office/officeart/2008/layout/HalfCircleOrganizationChart"/>
-    <dgm:cxn modelId="{171B4858-80B5-584B-868E-0F19C1972605}" type="presParOf" srcId="{F337EC93-4F91-694F-B107-3BD7A7327743}" destId="{84402DBE-3418-CF4C-8ED1-6294A88AFD62}" srcOrd="1" destOrd="0" presId="urn:microsoft.com/office/officeart/2008/layout/HalfCircleOrganizationChart"/>
-    <dgm:cxn modelId="{F8FD66ED-2CC1-FE4E-AB61-0211DD3427CA}" type="presParOf" srcId="{F337EC93-4F91-694F-B107-3BD7A7327743}" destId="{DCE70075-FFF6-1D40-9A7F-EED5207532C9}" srcOrd="2" destOrd="0" presId="urn:microsoft.com/office/officeart/2008/layout/HalfCircleOrganizationChart"/>
-    <dgm:cxn modelId="{535CF8BF-F8EF-2944-9E3B-90C3F774D026}" type="presParOf" srcId="{F337EC93-4F91-694F-B107-3BD7A7327743}" destId="{1CE3EFD4-54E2-3348-9F54-903CC06AD25E}" srcOrd="3" destOrd="0" presId="urn:microsoft.com/office/officeart/2008/layout/HalfCircleOrganizationChart"/>
-    <dgm:cxn modelId="{FB29C96C-F2AD-8543-839B-CB1FF276D041}" type="presParOf" srcId="{BB6A8869-AF3D-B847-8043-549E131D7BF0}" destId="{60ACAABE-C0A2-A846-8267-9614B98FCBCC}" srcOrd="1" destOrd="0" presId="urn:microsoft.com/office/officeart/2008/layout/HalfCircleOrganizationChart"/>
-    <dgm:cxn modelId="{92E883C9-52E7-124E-A0B7-B50532D81FA2}" type="presParOf" srcId="{BB6A8869-AF3D-B847-8043-549E131D7BF0}" destId="{2332D42D-FFF9-BC42-A1D1-8C36D98747D8}" srcOrd="2" destOrd="0" presId="urn:microsoft.com/office/officeart/2008/layout/HalfCircleOrganizationChart"/>
-    <dgm:cxn modelId="{E611F675-CBF1-4140-AE98-FE2D217D184B}" type="presParOf" srcId="{DE4CB0BE-0ECD-ED4D-AA2B-7DFAAEBD8BE2}" destId="{00861C94-37BE-E141-855D-CDBE458F7200}" srcOrd="4" destOrd="0" presId="urn:microsoft.com/office/officeart/2008/layout/HalfCircleOrganizationChart"/>
-    <dgm:cxn modelId="{01D67C62-EF34-1448-AE9F-A777A8A4678C}" type="presParOf" srcId="{DE4CB0BE-0ECD-ED4D-AA2B-7DFAAEBD8BE2}" destId="{23765724-1B8F-F445-8609-D65CD148096F}" srcOrd="5" destOrd="0" presId="urn:microsoft.com/office/officeart/2008/layout/HalfCircleOrganizationChart"/>
-    <dgm:cxn modelId="{9924EEF3-10A9-7549-A03C-BD035C80B618}" type="presParOf" srcId="{23765724-1B8F-F445-8609-D65CD148096F}" destId="{5101A1F6-75D1-F845-8F06-5ED45F0ECB3C}" srcOrd="0" destOrd="0" presId="urn:microsoft.com/office/officeart/2008/layout/HalfCircleOrganizationChart"/>
-    <dgm:cxn modelId="{85FD7FC1-7C9D-6745-8926-D5DB8D390D6E}" type="presParOf" srcId="{5101A1F6-75D1-F845-8F06-5ED45F0ECB3C}" destId="{9825EF89-4CAB-6246-BE70-D7146303729A}" srcOrd="0" destOrd="0" presId="urn:microsoft.com/office/officeart/2008/layout/HalfCircleOrganizationChart"/>
-    <dgm:cxn modelId="{A751D55C-CB0C-DC4C-8D48-C7F7D5AA7FEE}" type="presParOf" srcId="{5101A1F6-75D1-F845-8F06-5ED45F0ECB3C}" destId="{641B1293-1335-CB46-93AF-6C568947F0D3}" srcOrd="1" destOrd="0" presId="urn:microsoft.com/office/officeart/2008/layout/HalfCircleOrganizationChart"/>
-    <dgm:cxn modelId="{431FB504-B490-234B-B981-BE64122F2E84}" type="presParOf" srcId="{5101A1F6-75D1-F845-8F06-5ED45F0ECB3C}" destId="{85ECC30D-3477-0540-8725-09D0B59D91FD}" srcOrd="2" destOrd="0" presId="urn:microsoft.com/office/officeart/2008/layout/HalfCircleOrganizationChart"/>
-    <dgm:cxn modelId="{DC849DDB-C2BF-BB44-9A0F-E5305D11D22F}" type="presParOf" srcId="{5101A1F6-75D1-F845-8F06-5ED45F0ECB3C}" destId="{EDE4E607-C6C2-BF4E-8548-F4D374DB325E}" srcOrd="3" destOrd="0" presId="urn:microsoft.com/office/officeart/2008/layout/HalfCircleOrganizationChart"/>
-    <dgm:cxn modelId="{F5507EC7-3C15-BC43-8AFB-2EA4722FC9DE}" type="presParOf" srcId="{23765724-1B8F-F445-8609-D65CD148096F}" destId="{14CE38B5-57C6-3241-9384-E65E20C4B493}" srcOrd="1" destOrd="0" presId="urn:microsoft.com/office/officeart/2008/layout/HalfCircleOrganizationChart"/>
-    <dgm:cxn modelId="{62EC28FA-7526-444A-9D78-3DCF31F27188}" type="presParOf" srcId="{23765724-1B8F-F445-8609-D65CD148096F}" destId="{FB52B082-8E0F-2B43-9AD8-D5540BECB3B9}" srcOrd="2" destOrd="0" presId="urn:microsoft.com/office/officeart/2008/layout/HalfCircleOrganizationChart"/>
+    <dgm:cxn modelId="{09749081-DA3A-FD47-8E87-BF38828D381F}" type="presParOf" srcId="{DE4CB0BE-0ECD-ED4D-AA2B-7DFAAEBD8BE2}" destId="{AC6CDFBC-A92C-8A43-82A4-9D8E722D4AEE}" srcOrd="0" destOrd="0" presId="urn:microsoft.com/office/officeart/2008/layout/HalfCircleOrganizationChart"/>
+    <dgm:cxn modelId="{CADC5D4D-6192-9648-9C07-FFE71880507F}" type="presParOf" srcId="{DE4CB0BE-0ECD-ED4D-AA2B-7DFAAEBD8BE2}" destId="{69D762DD-7246-A649-A57F-D51FF2C46A88}" srcOrd="1" destOrd="0" presId="urn:microsoft.com/office/officeart/2008/layout/HalfCircleOrganizationChart"/>
+    <dgm:cxn modelId="{FEF332DD-24D1-C84C-B1F3-8F934B25F20D}" type="presParOf" srcId="{69D762DD-7246-A649-A57F-D51FF2C46A88}" destId="{907F72EF-B097-3A4B-8770-297E798000C7}" srcOrd="0" destOrd="0" presId="urn:microsoft.com/office/officeart/2008/layout/HalfCircleOrganizationChart"/>
+    <dgm:cxn modelId="{F2110E9C-C3D7-A24D-9629-AABAD05EE57D}" type="presParOf" srcId="{907F72EF-B097-3A4B-8770-297E798000C7}" destId="{3A12CABD-42B6-C142-BAE0-16558444C114}" srcOrd="0" destOrd="0" presId="urn:microsoft.com/office/officeart/2008/layout/HalfCircleOrganizationChart"/>
+    <dgm:cxn modelId="{76AA661B-52E8-054F-90C0-BAE35F11CBE9}" type="presParOf" srcId="{907F72EF-B097-3A4B-8770-297E798000C7}" destId="{E3E178AE-0C27-7046-AB02-EB2B2E8DDF80}" srcOrd="1" destOrd="0" presId="urn:microsoft.com/office/officeart/2008/layout/HalfCircleOrganizationChart"/>
+    <dgm:cxn modelId="{EBD2F816-9553-114E-9988-4EF84EC99C15}" type="presParOf" srcId="{907F72EF-B097-3A4B-8770-297E798000C7}" destId="{0D3501B3-A6B5-FB4D-8723-5D3898B8BFBC}" srcOrd="2" destOrd="0" presId="urn:microsoft.com/office/officeart/2008/layout/HalfCircleOrganizationChart"/>
+    <dgm:cxn modelId="{52021AF2-8962-3E47-AFE5-D798BDE9D5C8}" type="presParOf" srcId="{907F72EF-B097-3A4B-8770-297E798000C7}" destId="{A54C1C3E-3AF2-8244-A69E-557FC7C01922}" srcOrd="3" destOrd="0" presId="urn:microsoft.com/office/officeart/2008/layout/HalfCircleOrganizationChart"/>
+    <dgm:cxn modelId="{7DE38476-1D3B-2A48-9953-83A749CE89CF}" type="presParOf" srcId="{69D762DD-7246-A649-A57F-D51FF2C46A88}" destId="{9FB846CF-0015-EC41-AE32-FBD31A8BE2BE}" srcOrd="1" destOrd="0" presId="urn:microsoft.com/office/officeart/2008/layout/HalfCircleOrganizationChart"/>
+    <dgm:cxn modelId="{3B6790E1-05D3-834F-BFC2-C144A6444B7A}" type="presParOf" srcId="{69D762DD-7246-A649-A57F-D51FF2C46A88}" destId="{A25899B9-866A-DB46-911B-73AEDE97DABA}" srcOrd="2" destOrd="0" presId="urn:microsoft.com/office/officeart/2008/layout/HalfCircleOrganizationChart"/>
+    <dgm:cxn modelId="{658377D4-B7AA-4E44-820E-3D68A224416C}" type="presParOf" srcId="{DE4CB0BE-0ECD-ED4D-AA2B-7DFAAEBD8BE2}" destId="{7EA9891F-C09B-D041-9625-F7A0330248E6}" srcOrd="2" destOrd="0" presId="urn:microsoft.com/office/officeart/2008/layout/HalfCircleOrganizationChart"/>
+    <dgm:cxn modelId="{0C004EDC-F323-1D4C-9EE5-1439B516EAFE}" type="presParOf" srcId="{DE4CB0BE-0ECD-ED4D-AA2B-7DFAAEBD8BE2}" destId="{BB6A8869-AF3D-B847-8043-549E131D7BF0}" srcOrd="3" destOrd="0" presId="urn:microsoft.com/office/officeart/2008/layout/HalfCircleOrganizationChart"/>
+    <dgm:cxn modelId="{2F3D40E5-E86D-1446-A968-D0DFADB23964}" type="presParOf" srcId="{BB6A8869-AF3D-B847-8043-549E131D7BF0}" destId="{F337EC93-4F91-694F-B107-3BD7A7327743}" srcOrd="0" destOrd="0" presId="urn:microsoft.com/office/officeart/2008/layout/HalfCircleOrganizationChart"/>
+    <dgm:cxn modelId="{10B1B031-679D-E047-AF93-99CEA30254FE}" type="presParOf" srcId="{F337EC93-4F91-694F-B107-3BD7A7327743}" destId="{B141E56C-1781-7A43-B37D-C7160081ED6E}" srcOrd="0" destOrd="0" presId="urn:microsoft.com/office/officeart/2008/layout/HalfCircleOrganizationChart"/>
+    <dgm:cxn modelId="{6D639680-4230-CD4F-8C49-D36A510DE966}" type="presParOf" srcId="{F337EC93-4F91-694F-B107-3BD7A7327743}" destId="{84402DBE-3418-CF4C-8ED1-6294A88AFD62}" srcOrd="1" destOrd="0" presId="urn:microsoft.com/office/officeart/2008/layout/HalfCircleOrganizationChart"/>
+    <dgm:cxn modelId="{AA3FFC89-37C2-AC4C-96FA-A581F2D2C1FD}" type="presParOf" srcId="{F337EC93-4F91-694F-B107-3BD7A7327743}" destId="{DCE70075-FFF6-1D40-9A7F-EED5207532C9}" srcOrd="2" destOrd="0" presId="urn:microsoft.com/office/officeart/2008/layout/HalfCircleOrganizationChart"/>
+    <dgm:cxn modelId="{57037AA1-5612-AD46-BDF4-0B3345EAA70D}" type="presParOf" srcId="{F337EC93-4F91-694F-B107-3BD7A7327743}" destId="{1CE3EFD4-54E2-3348-9F54-903CC06AD25E}" srcOrd="3" destOrd="0" presId="urn:microsoft.com/office/officeart/2008/layout/HalfCircleOrganizationChart"/>
+    <dgm:cxn modelId="{93BEBB3A-06E7-5640-8673-4B3622E29CBC}" type="presParOf" srcId="{BB6A8869-AF3D-B847-8043-549E131D7BF0}" destId="{60ACAABE-C0A2-A846-8267-9614B98FCBCC}" srcOrd="1" destOrd="0" presId="urn:microsoft.com/office/officeart/2008/layout/HalfCircleOrganizationChart"/>
+    <dgm:cxn modelId="{89CE8153-82CA-2545-AB2E-E8D99509C74B}" type="presParOf" srcId="{BB6A8869-AF3D-B847-8043-549E131D7BF0}" destId="{2332D42D-FFF9-BC42-A1D1-8C36D98747D8}" srcOrd="2" destOrd="0" presId="urn:microsoft.com/office/officeart/2008/layout/HalfCircleOrganizationChart"/>
+    <dgm:cxn modelId="{04B991F5-2195-894E-B488-7B722C9A461F}" type="presParOf" srcId="{DE4CB0BE-0ECD-ED4D-AA2B-7DFAAEBD8BE2}" destId="{00861C94-37BE-E141-855D-CDBE458F7200}" srcOrd="4" destOrd="0" presId="urn:microsoft.com/office/officeart/2008/layout/HalfCircleOrganizationChart"/>
+    <dgm:cxn modelId="{3A56C45F-57DB-D749-A0A9-AC3E957B4413}" type="presParOf" srcId="{DE4CB0BE-0ECD-ED4D-AA2B-7DFAAEBD8BE2}" destId="{23765724-1B8F-F445-8609-D65CD148096F}" srcOrd="5" destOrd="0" presId="urn:microsoft.com/office/officeart/2008/layout/HalfCircleOrganizationChart"/>
+    <dgm:cxn modelId="{D1ED5631-E0A4-9D47-9592-7FDF6583F2B3}" type="presParOf" srcId="{23765724-1B8F-F445-8609-D65CD148096F}" destId="{5101A1F6-75D1-F845-8F06-5ED45F0ECB3C}" srcOrd="0" destOrd="0" presId="urn:microsoft.com/office/officeart/2008/layout/HalfCircleOrganizationChart"/>
+    <dgm:cxn modelId="{FFB62C2C-4E43-324C-8007-9F490793CE0A}" type="presParOf" srcId="{5101A1F6-75D1-F845-8F06-5ED45F0ECB3C}" destId="{9825EF89-4CAB-6246-BE70-D7146303729A}" srcOrd="0" destOrd="0" presId="urn:microsoft.com/office/officeart/2008/layout/HalfCircleOrganizationChart"/>
+    <dgm:cxn modelId="{8F7B6F5B-D76C-2C4B-8CA2-19EEC339D404}" type="presParOf" srcId="{5101A1F6-75D1-F845-8F06-5ED45F0ECB3C}" destId="{641B1293-1335-CB46-93AF-6C568947F0D3}" srcOrd="1" destOrd="0" presId="urn:microsoft.com/office/officeart/2008/layout/HalfCircleOrganizationChart"/>
+    <dgm:cxn modelId="{935568DD-9B1D-0445-A86E-6F4C317E5756}" type="presParOf" srcId="{5101A1F6-75D1-F845-8F06-5ED45F0ECB3C}" destId="{85ECC30D-3477-0540-8725-09D0B59D91FD}" srcOrd="2" destOrd="0" presId="urn:microsoft.com/office/officeart/2008/layout/HalfCircleOrganizationChart"/>
+    <dgm:cxn modelId="{F59B325C-7955-754B-9481-0C38AF693A3B}" type="presParOf" srcId="{5101A1F6-75D1-F845-8F06-5ED45F0ECB3C}" destId="{EDE4E607-C6C2-BF4E-8548-F4D374DB325E}" srcOrd="3" destOrd="0" presId="urn:microsoft.com/office/officeart/2008/layout/HalfCircleOrganizationChart"/>
+    <dgm:cxn modelId="{8278D0DE-C198-6348-8A4D-77160FB9677E}" type="presParOf" srcId="{23765724-1B8F-F445-8609-D65CD148096F}" destId="{14CE38B5-57C6-3241-9384-E65E20C4B493}" srcOrd="1" destOrd="0" presId="urn:microsoft.com/office/officeart/2008/layout/HalfCircleOrganizationChart"/>
+    <dgm:cxn modelId="{9CDD1FA2-DF75-704C-8D69-03523549A62F}" type="presParOf" srcId="{23765724-1B8F-F445-8609-D65CD148096F}" destId="{FB52B082-8E0F-2B43-9AD8-D5540BECB3B9}" srcOrd="2" destOrd="0" presId="urn:microsoft.com/office/officeart/2008/layout/HalfCircleOrganizationChart"/>
     <dgm:cxn modelId="{495E609C-4EF1-DF46-999C-EF93D6B416CC}" type="presParOf" srcId="{E0B8C476-DCE4-FC46-BD53-0A053376B2CA}" destId="{3690EF8F-CF6E-EB45-B69E-FF90576948DF}" srcOrd="2" destOrd="0" presId="urn:microsoft.com/office/officeart/2008/layout/HalfCircleOrganizationChart"/>
-    <dgm:cxn modelId="{CB5104C7-BA90-1741-9D1C-7D37716DF35C}" type="presParOf" srcId="{3690EF8F-CF6E-EB45-B69E-FF90576948DF}" destId="{09B73AAD-C8C5-724B-90E1-D61B744AE412}" srcOrd="0" destOrd="0" presId="urn:microsoft.com/office/officeart/2008/layout/HalfCircleOrganizationChart"/>
-    <dgm:cxn modelId="{C7BAD54B-A3BD-A24E-B32A-3FD6CF7D7E5F}" type="presParOf" srcId="{3690EF8F-CF6E-EB45-B69E-FF90576948DF}" destId="{AF6E1ACD-DCAD-1343-B94B-F9DDCB117C7C}" srcOrd="1" destOrd="0" presId="urn:microsoft.com/office/officeart/2008/layout/HalfCircleOrganizationChart"/>
-    <dgm:cxn modelId="{6C26C2AA-15C7-604B-9BD5-34CD0E97DF2D}" type="presParOf" srcId="{AF6E1ACD-DCAD-1343-B94B-F9DDCB117C7C}" destId="{043E6C25-9CAD-BC4F-A1C3-899527FFC589}" srcOrd="0" destOrd="0" presId="urn:microsoft.com/office/officeart/2008/layout/HalfCircleOrganizationChart"/>
-    <dgm:cxn modelId="{C1EC1BBD-0D95-364C-88D6-A332B37E479A}" type="presParOf" srcId="{043E6C25-9CAD-BC4F-A1C3-899527FFC589}" destId="{E3733A71-61E4-C648-B2A7-6192F323818F}" srcOrd="0" destOrd="0" presId="urn:microsoft.com/office/officeart/2008/layout/HalfCircleOrganizationChart"/>
-    <dgm:cxn modelId="{19C22C86-C810-D747-91EF-8E3AE36F89A5}" type="presParOf" srcId="{043E6C25-9CAD-BC4F-A1C3-899527FFC589}" destId="{879B49D5-0823-0646-A5B3-5EF10D692D3E}" srcOrd="1" destOrd="0" presId="urn:microsoft.com/office/officeart/2008/layout/HalfCircleOrganizationChart"/>
-    <dgm:cxn modelId="{B0BCA3B6-D358-5B42-A628-1DA678CE4822}" type="presParOf" srcId="{043E6C25-9CAD-BC4F-A1C3-899527FFC589}" destId="{58CC4F03-8A8B-784C-9A5E-0AB66062EE35}" srcOrd="2" destOrd="0" presId="urn:microsoft.com/office/officeart/2008/layout/HalfCircleOrganizationChart"/>
-    <dgm:cxn modelId="{EC5EA8EC-3E6F-D549-8069-BD6B23BFD8C2}" type="presParOf" srcId="{043E6C25-9CAD-BC4F-A1C3-899527FFC589}" destId="{1D4B14E6-0736-D344-AA0A-4821093B2F5F}" srcOrd="3" destOrd="0" presId="urn:microsoft.com/office/officeart/2008/layout/HalfCircleOrganizationChart"/>
-    <dgm:cxn modelId="{3EE6758D-F328-C84D-B08E-911F9F16AF8A}" type="presParOf" srcId="{AF6E1ACD-DCAD-1343-B94B-F9DDCB117C7C}" destId="{9ED24F7F-38D6-5E4C-A3BD-8E9F2411EAC9}" srcOrd="1" destOrd="0" presId="urn:microsoft.com/office/officeart/2008/layout/HalfCircleOrganizationChart"/>
-    <dgm:cxn modelId="{82421F87-6CA3-8441-99B1-58FC7B6DDA8F}" type="presParOf" srcId="{AF6E1ACD-DCAD-1343-B94B-F9DDCB117C7C}" destId="{1E059464-10EA-7745-93A4-C92EB9455CEA}" srcOrd="2" destOrd="0" presId="urn:microsoft.com/office/officeart/2008/layout/HalfCircleOrganizationChart"/>
   </dgm:cxnLst>
   <dgm:bg/>
   <dgm:whole/>
@@ -2693,8 +2688,8 @@
       </dsp:nvSpPr>
       <dsp:spPr>
         <a:xfrm>
-          <a:off x="2730718" y="1547"/>
-          <a:ext cx="2420890" cy="1210445"/>
+          <a:off x="2963480" y="1576"/>
+          <a:ext cx="2675743" cy="1337871"/>
         </a:xfrm>
         <a:prstGeom prst="roundRect">
           <a:avLst>
@@ -2754,12 +2749,12 @@
         </a:fontRef>
       </dsp:style>
       <dsp:txBody>
-        <a:bodyPr spcFirstLastPara="0" vert="horz" wrap="square" lIns="80010" tIns="80010" rIns="80010" bIns="80010" numCol="1" spcCol="1270" anchor="ctr" anchorCtr="0">
+        <a:bodyPr spcFirstLastPara="0" vert="horz" wrap="square" lIns="87630" tIns="87630" rIns="87630" bIns="87630" numCol="1" spcCol="1270" anchor="ctr" anchorCtr="0">
           <a:noAutofit/>
         </a:bodyPr>
         <a:lstStyle/>
         <a:p>
-          <a:pPr lvl="0" algn="ctr" defTabSz="933450">
+          <a:pPr lvl="0" algn="ctr" defTabSz="1022350">
             <a:lnSpc>
               <a:spcPct val="90000"/>
             </a:lnSpc>
@@ -2771,15 +2766,15 @@
             </a:spcAft>
           </a:pPr>
           <a:r>
-            <a:rPr lang="ru-RU" sz="2100" kern="1200" dirty="0" smtClean="0"/>
+            <a:rPr lang="ru-RU" sz="2300" kern="1200" dirty="0" smtClean="0"/>
             <a:t>Генератор (компания)</a:t>
           </a:r>
-          <a:endParaRPr lang="ru-RU" sz="2100" kern="1200" dirty="0"/>
+          <a:endParaRPr lang="ru-RU" sz="2300" kern="1200" dirty="0"/>
         </a:p>
       </dsp:txBody>
       <dsp:txXfrm>
-        <a:off x="2766171" y="37000"/>
-        <a:ext cx="2349984" cy="1139539"/>
+        <a:off x="3002665" y="40761"/>
+        <a:ext cx="2597373" cy="1259501"/>
       </dsp:txXfrm>
     </dsp:sp>
     <dsp:sp modelId="{02323206-276A-FD44-BBC0-2817CC29CCD6}">
@@ -2789,8 +2784,8 @@
       </dsp:nvSpPr>
       <dsp:spPr>
         <a:xfrm rot="3600000">
-          <a:off x="4309667" y="2126568"/>
-          <a:ext cx="1262501" cy="423655"/>
+          <a:off x="4446653" y="2047133"/>
+          <a:ext cx="1919038" cy="1073971"/>
         </a:xfrm>
         <a:prstGeom prst="leftRightArrow">
           <a:avLst>
@@ -2856,7 +2851,7 @@
         </a:bodyPr>
         <a:lstStyle/>
         <a:p>
-          <a:pPr lvl="0" algn="ctr" defTabSz="755650">
+          <a:pPr lvl="0" algn="ctr" defTabSz="800100">
             <a:lnSpc>
               <a:spcPct val="90000"/>
             </a:lnSpc>
@@ -2867,12 +2862,12 @@
               <a:spcPct val="35000"/>
             </a:spcAft>
           </a:pPr>
-          <a:endParaRPr lang="ru-RU" sz="1700" kern="1200"/>
+          <a:endParaRPr lang="ru-RU" sz="1800" kern="1200"/>
         </a:p>
       </dsp:txBody>
       <dsp:txXfrm>
-        <a:off x="4436764" y="2211299"/>
-        <a:ext cx="1008308" cy="254193"/>
+        <a:off x="4768844" y="2261927"/>
+        <a:ext cx="1274656" cy="644383"/>
       </dsp:txXfrm>
     </dsp:sp>
     <dsp:sp modelId="{F8B623C8-C645-A143-BD3E-6C68D1821876}">
@@ -2882,8 +2877,8 @@
       </dsp:nvSpPr>
       <dsp:spPr>
         <a:xfrm>
-          <a:off x="4730227" y="3464798"/>
-          <a:ext cx="2420890" cy="1210445"/>
+          <a:off x="5173122" y="3828789"/>
+          <a:ext cx="2675743" cy="1337871"/>
         </a:xfrm>
         <a:prstGeom prst="roundRect">
           <a:avLst>
@@ -2943,12 +2938,12 @@
         </a:fontRef>
       </dsp:style>
       <dsp:txBody>
-        <a:bodyPr spcFirstLastPara="0" vert="horz" wrap="square" lIns="80010" tIns="80010" rIns="80010" bIns="80010" numCol="1" spcCol="1270" anchor="ctr" anchorCtr="0">
+        <a:bodyPr spcFirstLastPara="0" vert="horz" wrap="square" lIns="87630" tIns="87630" rIns="87630" bIns="87630" numCol="1" spcCol="1270" anchor="ctr" anchorCtr="0">
           <a:noAutofit/>
         </a:bodyPr>
         <a:lstStyle/>
         <a:p>
-          <a:pPr lvl="0" algn="ctr" defTabSz="933450">
+          <a:pPr lvl="0" algn="ctr" defTabSz="1022350">
             <a:lnSpc>
               <a:spcPct val="90000"/>
             </a:lnSpc>
@@ -2960,15 +2955,15 @@
             </a:spcAft>
           </a:pPr>
           <a:r>
-            <a:rPr lang="ru-RU" sz="2100" kern="1200" dirty="0" smtClean="0"/>
+            <a:rPr lang="ru-RU" sz="2300" kern="1200" dirty="0" smtClean="0"/>
             <a:t>Домохозяйство-генератор 1</a:t>
           </a:r>
-          <a:endParaRPr lang="ru-RU" sz="2100" kern="1200" dirty="0"/>
+          <a:endParaRPr lang="ru-RU" sz="2300" kern="1200" dirty="0"/>
         </a:p>
       </dsp:txBody>
       <dsp:txXfrm>
-        <a:off x="4765680" y="3500251"/>
-        <a:ext cx="2349984" cy="1139539"/>
+        <a:off x="5212307" y="3867974"/>
+        <a:ext cx="2597373" cy="1259501"/>
       </dsp:txXfrm>
     </dsp:sp>
     <dsp:sp modelId="{0CC2119B-CE4F-144A-B20E-46777406E83A}">
@@ -2978,8 +2973,8 @@
       </dsp:nvSpPr>
       <dsp:spPr>
         <a:xfrm rot="10800000">
-          <a:off x="3309913" y="3858193"/>
-          <a:ext cx="1262501" cy="423655"/>
+          <a:off x="3603935" y="3989333"/>
+          <a:ext cx="1394832" cy="1016783"/>
         </a:xfrm>
         <a:prstGeom prst="leftRightArrow">
           <a:avLst>
@@ -3045,7 +3040,7 @@
         </a:bodyPr>
         <a:lstStyle/>
         <a:p>
-          <a:pPr lvl="0" algn="ctr" defTabSz="755650">
+          <a:pPr lvl="0" algn="ctr" defTabSz="800100">
             <a:lnSpc>
               <a:spcPct val="90000"/>
             </a:lnSpc>
@@ -3056,12 +3051,12 @@
               <a:spcPct val="35000"/>
             </a:spcAft>
           </a:pPr>
-          <a:endParaRPr lang="ru-RU" sz="1700" kern="1200"/>
+          <a:endParaRPr lang="ru-RU" sz="1800" kern="1200"/>
         </a:p>
       </dsp:txBody>
       <dsp:txXfrm rot="10800000">
-        <a:off x="3437009" y="3942924"/>
-        <a:ext cx="1008308" cy="254193"/>
+        <a:off x="3908970" y="4192690"/>
+        <a:ext cx="784762" cy="610069"/>
       </dsp:txXfrm>
     </dsp:sp>
     <dsp:sp modelId="{3A3BDAC2-FEF2-424E-995F-CE4EE447C851}">
@@ -3071,8 +3066,8 @@
       </dsp:nvSpPr>
       <dsp:spPr>
         <a:xfrm>
-          <a:off x="731209" y="3464798"/>
-          <a:ext cx="2420890" cy="1210445"/>
+          <a:off x="753838" y="3828789"/>
+          <a:ext cx="2675743" cy="1337871"/>
         </a:xfrm>
         <a:prstGeom prst="roundRect">
           <a:avLst>
@@ -3132,12 +3127,12 @@
         </a:fontRef>
       </dsp:style>
       <dsp:txBody>
-        <a:bodyPr spcFirstLastPara="0" vert="horz" wrap="square" lIns="80010" tIns="80010" rIns="80010" bIns="80010" numCol="1" spcCol="1270" anchor="ctr" anchorCtr="0">
+        <a:bodyPr spcFirstLastPara="0" vert="horz" wrap="square" lIns="87630" tIns="87630" rIns="87630" bIns="87630" numCol="1" spcCol="1270" anchor="ctr" anchorCtr="0">
           <a:noAutofit/>
         </a:bodyPr>
         <a:lstStyle/>
         <a:p>
-          <a:pPr lvl="0" algn="ctr" defTabSz="933450">
+          <a:pPr lvl="0" algn="ctr" defTabSz="1022350">
             <a:lnSpc>
               <a:spcPct val="90000"/>
             </a:lnSpc>
@@ -3149,15 +3144,15 @@
             </a:spcAft>
           </a:pPr>
           <a:r>
-            <a:rPr lang="ru-RU" sz="2100" kern="1200" dirty="0" smtClean="0"/>
+            <a:rPr lang="ru-RU" sz="2300" kern="1200" dirty="0" smtClean="0"/>
             <a:t>Домохозяйство-генератор 2</a:t>
           </a:r>
-          <a:endParaRPr lang="ru-RU" sz="2100" kern="1200" dirty="0"/>
+          <a:endParaRPr lang="ru-RU" sz="2300" kern="1200" dirty="0"/>
         </a:p>
       </dsp:txBody>
       <dsp:txXfrm>
-        <a:off x="766662" y="3500251"/>
-        <a:ext cx="2349984" cy="1139539"/>
+        <a:off x="793023" y="3867974"/>
+        <a:ext cx="2597373" cy="1259501"/>
       </dsp:txXfrm>
     </dsp:sp>
     <dsp:sp modelId="{81202371-4735-F543-BA19-47AB362A82EC}">
@@ -3167,14 +3162,11 @@
       </dsp:nvSpPr>
       <dsp:spPr>
         <a:xfrm rot="18000000">
-          <a:off x="2310158" y="2126568"/>
-          <a:ext cx="1262501" cy="423655"/>
+          <a:off x="2197021" y="1917424"/>
+          <a:ext cx="1999018" cy="1333389"/>
         </a:xfrm>
         <a:prstGeom prst="leftRightArrow">
-          <a:avLst>
-            <a:gd name="adj1" fmla="val 60000"/>
-            <a:gd name="adj2" fmla="val 50000"/>
-          </a:avLst>
+          <a:avLst/>
         </a:prstGeom>
         <a:gradFill rotWithShape="0">
           <a:gsLst>
@@ -3234,7 +3226,7 @@
         </a:bodyPr>
         <a:lstStyle/>
         <a:p>
-          <a:pPr lvl="0" algn="ctr" defTabSz="755650">
+          <a:pPr lvl="0" algn="ctr" defTabSz="800100">
             <a:lnSpc>
               <a:spcPct val="90000"/>
             </a:lnSpc>
@@ -3245,12 +3237,12 @@
               <a:spcPct val="35000"/>
             </a:spcAft>
           </a:pPr>
-          <a:endParaRPr lang="ru-RU" sz="1700" kern="1200"/>
+          <a:endParaRPr lang="ru-RU" sz="1800" kern="1200"/>
         </a:p>
       </dsp:txBody>
       <dsp:txXfrm>
-        <a:off x="2437255" y="2211299"/>
-        <a:ext cx="1008308" cy="254193"/>
+        <a:off x="2597038" y="2184102"/>
+        <a:ext cx="1198984" cy="800033"/>
       </dsp:txXfrm>
     </dsp:sp>
   </dsp:spTree>
@@ -3265,64 +3257,6 @@
       <dsp:cNvGrpSpPr/>
     </dsp:nvGrpSpPr>
     <dsp:grpSpPr/>
-    <dsp:sp modelId="{09B73AAD-C8C5-724B-90E1-D61B744AE412}">
-      <dsp:nvSpPr>
-        <dsp:cNvPr id="0" name=""/>
-        <dsp:cNvSpPr/>
-      </dsp:nvSpPr>
-      <dsp:spPr>
-        <a:xfrm>
-          <a:off x="3077840" y="1616240"/>
-          <a:ext cx="986159" cy="712886"/>
-        </a:xfrm>
-        <a:custGeom>
-          <a:avLst/>
-          <a:gdLst/>
-          <a:ahLst/>
-          <a:cxnLst/>
-          <a:rect l="0" t="0" r="0" b="0"/>
-          <a:pathLst>
-            <a:path>
-              <a:moveTo>
-                <a:pt x="986159" y="0"/>
-              </a:moveTo>
-              <a:lnTo>
-                <a:pt x="986159" y="712886"/>
-              </a:lnTo>
-              <a:lnTo>
-                <a:pt x="0" y="712886"/>
-              </a:lnTo>
-            </a:path>
-          </a:pathLst>
-        </a:custGeom>
-        <a:noFill/>
-        <a:ln w="9525" cap="rnd" cmpd="sng" algn="ctr">
-          <a:solidFill>
-            <a:schemeClr val="accent1">
-              <a:shade val="60000"/>
-              <a:hueOff val="0"/>
-              <a:satOff val="0"/>
-              <a:lumOff val="0"/>
-              <a:alphaOff val="0"/>
-            </a:schemeClr>
-          </a:solidFill>
-          <a:prstDash val="solid"/>
-        </a:ln>
-        <a:effectLst/>
-      </dsp:spPr>
-      <dsp:style>
-        <a:lnRef idx="1">
-          <a:scrgbClr r="0" g="0" b="0"/>
-        </a:lnRef>
-        <a:fillRef idx="0">
-          <a:scrgbClr r="0" g="0" b="0"/>
-        </a:fillRef>
-        <a:effectRef idx="0">
-          <a:scrgbClr r="0" g="0" b="0"/>
-        </a:effectRef>
-        <a:fontRef idx="minor"/>
-      </dsp:style>
-    </dsp:sp>
     <dsp:sp modelId="{00861C94-37BE-E141-855D-CDBE458F7200}">
       <dsp:nvSpPr>
         <dsp:cNvPr id="0" name=""/>
@@ -3330,8 +3264,8 @@
       </dsp:nvSpPr>
       <dsp:spPr>
         <a:xfrm>
-          <a:off x="4064000" y="1616240"/>
-          <a:ext cx="2875309" cy="2186185"/>
+          <a:off x="3342806" y="2969288"/>
+          <a:ext cx="2365059" cy="410464"/>
         </a:xfrm>
         <a:custGeom>
           <a:avLst/>
@@ -3345,13 +3279,13 @@
                 <a:pt x="0" y="0"/>
               </a:moveTo>
               <a:lnTo>
-                <a:pt x="0" y="1936675"/>
+                <a:pt x="0" y="205232"/>
               </a:lnTo>
               <a:lnTo>
-                <a:pt x="2875309" y="1936675"/>
+                <a:pt x="2365059" y="205232"/>
               </a:lnTo>
               <a:lnTo>
-                <a:pt x="2875309" y="2186185"/>
+                <a:pt x="2365059" y="410464"/>
               </a:lnTo>
             </a:path>
           </a:pathLst>
@@ -3391,8 +3325,8 @@
       </dsp:nvSpPr>
       <dsp:spPr>
         <a:xfrm>
-          <a:off x="4018279" y="1616240"/>
-          <a:ext cx="91440" cy="2186185"/>
+          <a:off x="3297086" y="2969288"/>
+          <a:ext cx="91440" cy="410464"/>
         </a:xfrm>
         <a:custGeom>
           <a:avLst/>
@@ -3406,7 +3340,7 @@
                 <a:pt x="45720" y="0"/>
               </a:moveTo>
               <a:lnTo>
-                <a:pt x="45720" y="2186185"/>
+                <a:pt x="45720" y="410464"/>
               </a:lnTo>
             </a:path>
           </a:pathLst>
@@ -3446,8 +3380,8 @@
       </dsp:nvSpPr>
       <dsp:spPr>
         <a:xfrm>
-          <a:off x="1188690" y="1616240"/>
-          <a:ext cx="2875309" cy="2186185"/>
+          <a:off x="977746" y="2969288"/>
+          <a:ext cx="2365059" cy="410464"/>
         </a:xfrm>
         <a:custGeom>
           <a:avLst/>
@@ -3458,16 +3392,16 @@
           <a:pathLst>
             <a:path>
               <a:moveTo>
-                <a:pt x="2875309" y="0"/>
+                <a:pt x="2365059" y="0"/>
               </a:moveTo>
               <a:lnTo>
-                <a:pt x="2875309" y="1936675"/>
+                <a:pt x="2365059" y="205232"/>
               </a:lnTo>
               <a:lnTo>
-                <a:pt x="0" y="1936675"/>
+                <a:pt x="0" y="205232"/>
               </a:lnTo>
               <a:lnTo>
-                <a:pt x="0" y="2186185"/>
+                <a:pt x="0" y="410464"/>
               </a:lnTo>
             </a:path>
           </a:pathLst>
@@ -3507,8 +3441,8 @@
       </dsp:nvSpPr>
       <dsp:spPr>
         <a:xfrm>
-          <a:off x="3469927" y="428096"/>
-          <a:ext cx="1188144" cy="1188144"/>
+          <a:off x="2854157" y="1991990"/>
+          <a:ext cx="977297" cy="977297"/>
         </a:xfrm>
         <a:prstGeom prst="arc">
           <a:avLst>
@@ -3551,8 +3485,8 @@
       </dsp:nvSpPr>
       <dsp:spPr>
         <a:xfrm>
-          <a:off x="3469927" y="428096"/>
-          <a:ext cx="1188144" cy="1188144"/>
+          <a:off x="2854157" y="1991990"/>
+          <a:ext cx="977297" cy="977297"/>
         </a:xfrm>
         <a:prstGeom prst="arc">
           <a:avLst>
@@ -3595,8 +3529,8 @@
       </dsp:nvSpPr>
       <dsp:spPr>
         <a:xfrm>
-          <a:off x="2875855" y="641962"/>
-          <a:ext cx="2376289" cy="760412"/>
+          <a:off x="2365508" y="2167904"/>
+          <a:ext cx="1954594" cy="625470"/>
         </a:xfrm>
         <a:prstGeom prst="rect">
           <a:avLst/>
@@ -3622,12 +3556,12 @@
         <a:fontRef idx="minor"/>
       </dsp:style>
       <dsp:txBody>
-        <a:bodyPr spcFirstLastPara="0" vert="horz" wrap="square" lIns="14605" tIns="14605" rIns="14605" bIns="14605" numCol="1" spcCol="1270" anchor="ctr" anchorCtr="0">
+        <a:bodyPr spcFirstLastPara="0" vert="horz" wrap="square" lIns="12065" tIns="12065" rIns="12065" bIns="12065" numCol="1" spcCol="1270" anchor="ctr" anchorCtr="0">
           <a:noAutofit/>
         </a:bodyPr>
         <a:lstStyle/>
         <a:p>
-          <a:pPr lvl="0" algn="ctr" defTabSz="1022350">
+          <a:pPr lvl="0" algn="ctr" defTabSz="844550">
             <a:lnSpc>
               <a:spcPct val="90000"/>
             </a:lnSpc>
@@ -3639,14 +3573,22 @@
             </a:spcAft>
           </a:pPr>
           <a:r>
-            <a:rPr lang="en-US" sz="2300" kern="1200" dirty="0" err="1" smtClean="0">
+            <a:rPr lang="en-US" sz="1900" kern="1200" dirty="0" smtClean="0">
               <a:solidFill>
                 <a:schemeClr val="tx1"/>
               </a:solidFill>
             </a:rPr>
-            <a:t>Ethereum</a:t>
+            <a:t>SC - </a:t>
           </a:r>
-          <a:endParaRPr lang="ru-RU" sz="2300" kern="1200" dirty="0">
+          <a:r>
+            <a:rPr lang="ru-RU" sz="1900" kern="1200" dirty="0" smtClean="0">
+              <a:solidFill>
+                <a:schemeClr val="tx1"/>
+              </a:solidFill>
+            </a:rPr>
+            <a:t>расчёты</a:t>
+          </a:r>
+          <a:endParaRPr lang="ru-RU" sz="1900" b="1" kern="1200" dirty="0">
             <a:solidFill>
               <a:schemeClr val="tx1"/>
             </a:solidFill>
@@ -3654,8 +3596,8 @@
         </a:p>
       </dsp:txBody>
       <dsp:txXfrm>
-        <a:off x="2875855" y="641962"/>
-        <a:ext cx="2376289" cy="760412"/>
+        <a:off x="2365508" y="2167904"/>
+        <a:ext cx="1954594" cy="625470"/>
       </dsp:txXfrm>
     </dsp:sp>
     <dsp:sp modelId="{E3E178AE-0C27-7046-AB02-EB2B2E8DDF80}">
@@ -3665,8 +3607,8 @@
       </dsp:nvSpPr>
       <dsp:spPr>
         <a:xfrm>
-          <a:off x="594617" y="3802426"/>
-          <a:ext cx="1188144" cy="1188144"/>
+          <a:off x="489097" y="3379752"/>
+          <a:ext cx="977297" cy="977297"/>
         </a:xfrm>
         <a:prstGeom prst="arc">
           <a:avLst>
@@ -3709,8 +3651,8 @@
       </dsp:nvSpPr>
       <dsp:spPr>
         <a:xfrm>
-          <a:off x="594617" y="3802426"/>
-          <a:ext cx="1188144" cy="1188144"/>
+          <a:off x="489097" y="3379752"/>
+          <a:ext cx="977297" cy="977297"/>
         </a:xfrm>
         <a:prstGeom prst="arc">
           <a:avLst>
@@ -3753,8 +3695,8 @@
       </dsp:nvSpPr>
       <dsp:spPr>
         <a:xfrm>
-          <a:off x="545" y="4016292"/>
-          <a:ext cx="2376289" cy="760412"/>
+          <a:off x="448" y="3555666"/>
+          <a:ext cx="1954594" cy="625470"/>
         </a:xfrm>
         <a:prstGeom prst="rect">
           <a:avLst/>
@@ -3780,12 +3722,12 @@
         <a:fontRef idx="minor"/>
       </dsp:style>
       <dsp:txBody>
-        <a:bodyPr spcFirstLastPara="0" vert="horz" wrap="square" lIns="14605" tIns="14605" rIns="14605" bIns="14605" numCol="1" spcCol="1270" anchor="ctr" anchorCtr="0">
+        <a:bodyPr spcFirstLastPara="0" vert="horz" wrap="square" lIns="12065" tIns="12065" rIns="12065" bIns="12065" numCol="1" spcCol="1270" anchor="ctr" anchorCtr="0">
           <a:noAutofit/>
         </a:bodyPr>
         <a:lstStyle/>
         <a:p>
-          <a:pPr lvl="0" algn="ctr" defTabSz="1022350">
+          <a:pPr lvl="0" algn="ctr" defTabSz="844550">
             <a:lnSpc>
               <a:spcPct val="90000"/>
             </a:lnSpc>
@@ -3797,14 +3739,22 @@
             </a:spcAft>
           </a:pPr>
           <a:r>
-            <a:rPr lang="ru-RU" sz="2300" kern="1200" dirty="0" smtClean="0">
+            <a:rPr lang="ru-RU" sz="1900" kern="1200" dirty="0" smtClean="0">
               <a:solidFill>
                 <a:schemeClr val="tx1"/>
               </a:solidFill>
             </a:rPr>
             <a:t>Компания</a:t>
           </a:r>
-          <a:endParaRPr lang="ru-RU" sz="2300" kern="1200" dirty="0">
+          <a:r>
+            <a:rPr lang="en-US" sz="1900" kern="1200" dirty="0" smtClean="0">
+              <a:solidFill>
+                <a:schemeClr val="tx1"/>
+              </a:solidFill>
+            </a:rPr>
+            <a:t> (EOA)</a:t>
+          </a:r>
+          <a:endParaRPr lang="ru-RU" sz="1900" kern="1200" baseline="0" dirty="0">
             <a:solidFill>
               <a:schemeClr val="tx1"/>
             </a:solidFill>
@@ -3812,8 +3762,8 @@
         </a:p>
       </dsp:txBody>
       <dsp:txXfrm>
-        <a:off x="545" y="4016292"/>
-        <a:ext cx="2376289" cy="760412"/>
+        <a:off x="448" y="3555666"/>
+        <a:ext cx="1954594" cy="625470"/>
       </dsp:txXfrm>
     </dsp:sp>
     <dsp:sp modelId="{84402DBE-3418-CF4C-8ED1-6294A88AFD62}">
@@ -3823,8 +3773,8 @@
       </dsp:nvSpPr>
       <dsp:spPr>
         <a:xfrm>
-          <a:off x="3469927" y="3802426"/>
-          <a:ext cx="1188144" cy="1188144"/>
+          <a:off x="2854157" y="3379752"/>
+          <a:ext cx="977297" cy="977297"/>
         </a:xfrm>
         <a:prstGeom prst="arc">
           <a:avLst>
@@ -3867,8 +3817,8 @@
       </dsp:nvSpPr>
       <dsp:spPr>
         <a:xfrm>
-          <a:off x="3469927" y="3802426"/>
-          <a:ext cx="1188144" cy="1188144"/>
+          <a:off x="2854157" y="3379752"/>
+          <a:ext cx="977297" cy="977297"/>
         </a:xfrm>
         <a:prstGeom prst="arc">
           <a:avLst>
@@ -3911,8 +3861,8 @@
       </dsp:nvSpPr>
       <dsp:spPr>
         <a:xfrm>
-          <a:off x="2875855" y="4016292"/>
-          <a:ext cx="2376289" cy="760412"/>
+          <a:off x="2365508" y="3555666"/>
+          <a:ext cx="1954594" cy="625470"/>
         </a:xfrm>
         <a:prstGeom prst="rect">
           <a:avLst/>
@@ -3938,12 +3888,12 @@
         <a:fontRef idx="minor"/>
       </dsp:style>
       <dsp:txBody>
-        <a:bodyPr spcFirstLastPara="0" vert="horz" wrap="square" lIns="14605" tIns="14605" rIns="14605" bIns="14605" numCol="1" spcCol="1270" anchor="ctr" anchorCtr="0">
+        <a:bodyPr spcFirstLastPara="0" vert="horz" wrap="square" lIns="12065" tIns="12065" rIns="12065" bIns="12065" numCol="1" spcCol="1270" anchor="ctr" anchorCtr="0">
           <a:noAutofit/>
         </a:bodyPr>
         <a:lstStyle/>
         <a:p>
-          <a:pPr lvl="0" algn="ctr" defTabSz="1022350">
+          <a:pPr lvl="0" algn="ctr" defTabSz="844550">
             <a:lnSpc>
               <a:spcPct val="90000"/>
             </a:lnSpc>
@@ -3955,14 +3905,22 @@
             </a:spcAft>
           </a:pPr>
           <a:r>
-            <a:rPr lang="ru-RU" sz="2300" kern="1200" dirty="0" smtClean="0">
+            <a:rPr lang="ru-RU" sz="1900" kern="1200" dirty="0" smtClean="0">
               <a:solidFill>
                 <a:schemeClr val="tx1"/>
               </a:solidFill>
             </a:rPr>
-            <a:t>Домохозяйство 1</a:t>
+            <a:t>Домохозяйство </a:t>
           </a:r>
-          <a:endParaRPr lang="ru-RU" sz="2300" kern="1200" dirty="0">
+          <a:r>
+            <a:rPr lang="en-US" sz="1900" kern="1200" dirty="0" smtClean="0">
+              <a:solidFill>
+                <a:schemeClr val="tx1"/>
+              </a:solidFill>
+            </a:rPr>
+            <a:t>(EOA)</a:t>
+          </a:r>
+          <a:endParaRPr lang="ru-RU" sz="1900" kern="1200" baseline="30000" dirty="0">
             <a:solidFill>
               <a:schemeClr val="tx1"/>
             </a:solidFill>
@@ -3970,8 +3928,8 @@
         </a:p>
       </dsp:txBody>
       <dsp:txXfrm>
-        <a:off x="2875855" y="4016292"/>
-        <a:ext cx="2376289" cy="760412"/>
+        <a:off x="2365508" y="3555666"/>
+        <a:ext cx="1954594" cy="625470"/>
       </dsp:txXfrm>
     </dsp:sp>
     <dsp:sp modelId="{641B1293-1335-CB46-93AF-6C568947F0D3}">
@@ -3981,8 +3939,8 @@
       </dsp:nvSpPr>
       <dsp:spPr>
         <a:xfrm>
-          <a:off x="6345237" y="3802426"/>
-          <a:ext cx="1188144" cy="1188144"/>
+          <a:off x="5219217" y="3379752"/>
+          <a:ext cx="977297" cy="977297"/>
         </a:xfrm>
         <a:prstGeom prst="arc">
           <a:avLst>
@@ -4025,8 +3983,8 @@
       </dsp:nvSpPr>
       <dsp:spPr>
         <a:xfrm>
-          <a:off x="6345237" y="3802426"/>
-          <a:ext cx="1188144" cy="1188144"/>
+          <a:off x="5219217" y="3379752"/>
+          <a:ext cx="977297" cy="977297"/>
         </a:xfrm>
         <a:prstGeom prst="arc">
           <a:avLst>
@@ -4069,8 +4027,8 @@
       </dsp:nvSpPr>
       <dsp:spPr>
         <a:xfrm>
-          <a:off x="5751165" y="4016292"/>
-          <a:ext cx="2376289" cy="760412"/>
+          <a:off x="4730568" y="3555666"/>
+          <a:ext cx="1954594" cy="625470"/>
         </a:xfrm>
         <a:prstGeom prst="rect">
           <a:avLst/>
@@ -4096,12 +4054,12 @@
         <a:fontRef idx="minor"/>
       </dsp:style>
       <dsp:txBody>
-        <a:bodyPr spcFirstLastPara="0" vert="horz" wrap="square" lIns="14605" tIns="14605" rIns="14605" bIns="14605" numCol="1" spcCol="1270" anchor="ctr" anchorCtr="0">
+        <a:bodyPr spcFirstLastPara="0" vert="horz" wrap="square" lIns="12065" tIns="12065" rIns="12065" bIns="12065" numCol="1" spcCol="1270" anchor="ctr" anchorCtr="0">
           <a:noAutofit/>
         </a:bodyPr>
         <a:lstStyle/>
         <a:p>
-          <a:pPr lvl="0" algn="ctr" defTabSz="1022350">
+          <a:pPr lvl="0" algn="ctr" defTabSz="844550">
             <a:lnSpc>
               <a:spcPct val="90000"/>
             </a:lnSpc>
@@ -4113,14 +4071,22 @@
             </a:spcAft>
           </a:pPr>
           <a:r>
-            <a:rPr lang="ru-RU" sz="2300" kern="1200" dirty="0" smtClean="0">
+            <a:rPr lang="ru-RU" sz="1900" kern="1200" dirty="0" smtClean="0">
               <a:solidFill>
                 <a:schemeClr val="tx1"/>
               </a:solidFill>
             </a:rPr>
-            <a:t>Домохозяйство 2</a:t>
+            <a:t>Домохозяйство </a:t>
           </a:r>
-          <a:endParaRPr lang="ru-RU" sz="2300" kern="1200" dirty="0">
+          <a:r>
+            <a:rPr lang="en-US" sz="1900" kern="1200" smtClean="0">
+              <a:solidFill>
+                <a:schemeClr val="tx1"/>
+              </a:solidFill>
+            </a:rPr>
+            <a:t>(EOA)</a:t>
+          </a:r>
+          <a:endParaRPr lang="ru-RU" sz="1900" kern="1200" baseline="30000" dirty="0">
             <a:solidFill>
               <a:schemeClr val="tx1"/>
             </a:solidFill>
@@ -4128,174 +4094,8 @@
         </a:p>
       </dsp:txBody>
       <dsp:txXfrm>
-        <a:off x="5751165" y="4016292"/>
-        <a:ext cx="2376289" cy="760412"/>
-      </dsp:txXfrm>
-    </dsp:sp>
-    <dsp:sp modelId="{879B49D5-0823-0646-A5B3-5EF10D692D3E}">
-      <dsp:nvSpPr>
-        <dsp:cNvPr id="0" name=""/>
-        <dsp:cNvSpPr/>
-      </dsp:nvSpPr>
-      <dsp:spPr>
-        <a:xfrm>
-          <a:off x="2032272" y="2115261"/>
-          <a:ext cx="1188144" cy="1188144"/>
-        </a:xfrm>
-        <a:prstGeom prst="arc">
-          <a:avLst>
-            <a:gd name="adj1" fmla="val 13200000"/>
-            <a:gd name="adj2" fmla="val 19200000"/>
-          </a:avLst>
-        </a:prstGeom>
-        <a:noFill/>
-        <a:ln w="9525" cap="rnd" cmpd="sng" algn="ctr">
-          <a:solidFill>
-            <a:schemeClr val="accent1">
-              <a:shade val="60000"/>
-              <a:hueOff val="0"/>
-              <a:satOff val="0"/>
-              <a:lumOff val="0"/>
-              <a:alphaOff val="0"/>
-            </a:schemeClr>
-          </a:solidFill>
-          <a:prstDash val="solid"/>
-        </a:ln>
-        <a:effectLst/>
-      </dsp:spPr>
-      <dsp:style>
-        <a:lnRef idx="1">
-          <a:scrgbClr r="0" g="0" b="0"/>
-        </a:lnRef>
-        <a:fillRef idx="0">
-          <a:scrgbClr r="0" g="0" b="0"/>
-        </a:fillRef>
-        <a:effectRef idx="0">
-          <a:scrgbClr r="0" g="0" b="0"/>
-        </a:effectRef>
-        <a:fontRef idx="minor"/>
-      </dsp:style>
-    </dsp:sp>
-    <dsp:sp modelId="{58CC4F03-8A8B-784C-9A5E-0AB66062EE35}">
-      <dsp:nvSpPr>
-        <dsp:cNvPr id="0" name=""/>
-        <dsp:cNvSpPr/>
-      </dsp:nvSpPr>
-      <dsp:spPr>
-        <a:xfrm>
-          <a:off x="2032272" y="2115261"/>
-          <a:ext cx="1188144" cy="1188144"/>
-        </a:xfrm>
-        <a:prstGeom prst="arc">
-          <a:avLst>
-            <a:gd name="adj1" fmla="val 2400000"/>
-            <a:gd name="adj2" fmla="val 8400000"/>
-          </a:avLst>
-        </a:prstGeom>
-        <a:noFill/>
-        <a:ln w="9525" cap="rnd" cmpd="sng" algn="ctr">
-          <a:solidFill>
-            <a:schemeClr val="accent1">
-              <a:shade val="60000"/>
-              <a:hueOff val="0"/>
-              <a:satOff val="0"/>
-              <a:lumOff val="0"/>
-              <a:alphaOff val="0"/>
-            </a:schemeClr>
-          </a:solidFill>
-          <a:prstDash val="solid"/>
-        </a:ln>
-        <a:effectLst/>
-      </dsp:spPr>
-      <dsp:style>
-        <a:lnRef idx="1">
-          <a:scrgbClr r="0" g="0" b="0"/>
-        </a:lnRef>
-        <a:fillRef idx="0">
-          <a:scrgbClr r="0" g="0" b="0"/>
-        </a:fillRef>
-        <a:effectRef idx="0">
-          <a:scrgbClr r="0" g="0" b="0"/>
-        </a:effectRef>
-        <a:fontRef idx="minor"/>
-      </dsp:style>
-    </dsp:sp>
-    <dsp:sp modelId="{E3733A71-61E4-C648-B2A7-6192F323818F}">
-      <dsp:nvSpPr>
-        <dsp:cNvPr id="0" name=""/>
-        <dsp:cNvSpPr/>
-      </dsp:nvSpPr>
-      <dsp:spPr>
-        <a:xfrm>
-          <a:off x="1438200" y="2329127"/>
-          <a:ext cx="2376289" cy="760412"/>
-        </a:xfrm>
-        <a:prstGeom prst="rect">
-          <a:avLst/>
-        </a:prstGeom>
-        <a:noFill/>
-        <a:ln w="9525" cap="rnd" cmpd="sng" algn="ctr">
-          <a:noFill/>
-          <a:prstDash val="solid"/>
-        </a:ln>
-        <a:effectLst/>
-        <a:sp3d/>
-      </dsp:spPr>
-      <dsp:style>
-        <a:lnRef idx="1">
-          <a:scrgbClr r="0" g="0" b="0"/>
-        </a:lnRef>
-        <a:fillRef idx="1">
-          <a:scrgbClr r="0" g="0" b="0"/>
-        </a:fillRef>
-        <a:effectRef idx="0">
-          <a:scrgbClr r="0" g="0" b="0"/>
-        </a:effectRef>
-        <a:fontRef idx="minor"/>
-      </dsp:style>
-      <dsp:txBody>
-        <a:bodyPr spcFirstLastPara="0" vert="horz" wrap="square" lIns="14605" tIns="14605" rIns="14605" bIns="14605" numCol="1" spcCol="1270" anchor="ctr" anchorCtr="0">
-          <a:noAutofit/>
-        </a:bodyPr>
-        <a:lstStyle/>
-        <a:p>
-          <a:pPr lvl="0" algn="ctr" defTabSz="1022350">
-            <a:lnSpc>
-              <a:spcPct val="90000"/>
-            </a:lnSpc>
-            <a:spcBef>
-              <a:spcPct val="0"/>
-            </a:spcBef>
-            <a:spcAft>
-              <a:spcPct val="35000"/>
-            </a:spcAft>
-          </a:pPr>
-          <a:r>
-            <a:rPr lang="en-US" sz="2300" kern="1200" dirty="0" smtClean="0">
-              <a:solidFill>
-                <a:schemeClr val="tx1"/>
-              </a:solidFill>
-            </a:rPr>
-            <a:t>SC - </a:t>
-          </a:r>
-          <a:r>
-            <a:rPr lang="ru-RU" sz="2300" kern="1200" dirty="0" smtClean="0">
-              <a:solidFill>
-                <a:schemeClr val="tx1"/>
-              </a:solidFill>
-            </a:rPr>
-            <a:t>расчёты</a:t>
-          </a:r>
-          <a:endParaRPr lang="ru-RU" sz="2300" kern="1200" dirty="0">
-            <a:solidFill>
-              <a:schemeClr val="tx1"/>
-            </a:solidFill>
-          </a:endParaRPr>
-        </a:p>
-      </dsp:txBody>
-      <dsp:txXfrm>
-        <a:off x="1438200" y="2329127"/>
-        <a:ext cx="2376289" cy="760412"/>
+        <a:off x="4730568" y="3555666"/>
+        <a:ext cx="1954594" cy="625470"/>
       </dsp:txXfrm>
     </dsp:sp>
   </dsp:spTree>
@@ -13204,7 +13004,7 @@
         </p:nvSpPr>
         <p:spPr>
           <a:xfrm>
-            <a:off x="384409" y="5431707"/>
+            <a:off x="160122" y="-329198"/>
             <a:ext cx="8534400" cy="1507067"/>
           </a:xfrm>
         </p:spPr>
@@ -13227,14 +13027,14 @@
           <p:nvPr>
             <p:extLst>
               <p:ext uri="{D42A27DB-BD31-4B8C-83A1-F6EECF244321}">
-                <p14:modId xmlns:p14="http://schemas.microsoft.com/office/powerpoint/2010/main" val="1162430560"/>
+                <p14:modId xmlns:p14="http://schemas.microsoft.com/office/powerpoint/2010/main" val="1832312310"/>
               </p:ext>
             </p:extLst>
           </p:nvPr>
         </p:nvGraphicFramePr>
         <p:xfrm>
-          <a:off x="-252334" y="754915"/>
-          <a:ext cx="7882328" cy="4676792"/>
+          <a:off x="-252334" y="1177869"/>
+          <a:ext cx="8602704" cy="5168238"/>
         </p:xfrm>
         <a:graphic>
           <a:graphicData uri="http://schemas.openxmlformats.org/drawingml/2006/diagram">
@@ -13301,11 +13101,7 @@
             </a:pPr>
             <a:r>
               <a:rPr lang="ru-RU" sz="2000" dirty="0" smtClean="0"/>
-              <a:t>Недоверие </a:t>
-            </a:r>
-            <a:r>
-              <a:rPr lang="ru-RU" sz="2000" dirty="0" smtClean="0"/>
-              <a:t>между участниками</a:t>
+              <a:t>Недоверие между участниками</a:t>
             </a:r>
           </a:p>
           <a:p>
@@ -13345,6 +13141,49 @@
               <a:buAutoNum type="arabicPeriod"/>
             </a:pPr>
             <a:endParaRPr lang="ru-RU" sz="2000" dirty="0"/>
+          </a:p>
+        </p:txBody>
+      </p:sp>
+      <p:sp>
+        <p:nvSpPr>
+          <p:cNvPr id="3" name="Молния 2"/>
+          <p:cNvSpPr/>
+          <p:nvPr/>
+        </p:nvSpPr>
+        <p:spPr>
+          <a:xfrm>
+            <a:off x="3749218" y="3852441"/>
+            <a:ext cx="719267" cy="914400"/>
+          </a:xfrm>
+          <a:prstGeom prst="lightningBolt">
+            <a:avLst/>
+          </a:prstGeom>
+          <a:solidFill>
+            <a:schemeClr val="tx1"/>
+          </a:solidFill>
+        </p:spPr>
+        <p:style>
+          <a:lnRef idx="2">
+            <a:schemeClr val="accent1">
+              <a:shade val="50000"/>
+            </a:schemeClr>
+          </a:lnRef>
+          <a:fillRef idx="1">
+            <a:schemeClr val="accent1"/>
+          </a:fillRef>
+          <a:effectRef idx="0">
+            <a:schemeClr val="accent1"/>
+          </a:effectRef>
+          <a:fontRef idx="minor">
+            <a:schemeClr val="lt1"/>
+          </a:fontRef>
+        </p:style>
+        <p:txBody>
+          <a:bodyPr rtlCol="0" anchor="ctr"/>
+          <a:lstStyle/>
+          <a:p>
+            <a:pPr algn="ctr"/>
+            <a:endParaRPr lang="ru-RU"/>
           </a:p>
         </p:txBody>
       </p:sp>
@@ -13358,6 +13197,13 @@
   <p:clrMapOvr>
     <a:masterClrMapping/>
   </p:clrMapOvr>
+  <p:timing>
+    <p:tnLst>
+      <p:par>
+        <p:cTn id="1" dur="indefinite" restart="never" nodeType="tmRoot"/>
+      </p:par>
+    </p:tnLst>
+  </p:timing>
 </p:sld>
 </file>
 
@@ -13390,7 +13236,7 @@
         </p:nvSpPr>
         <p:spPr>
           <a:xfrm>
-            <a:off x="384409" y="5431707"/>
+            <a:off x="93657" y="-244474"/>
             <a:ext cx="8534400" cy="1507067"/>
           </a:xfrm>
         </p:spPr>
@@ -13400,11 +13246,7 @@
           <a:p>
             <a:r>
               <a:rPr lang="ru-RU" dirty="0" smtClean="0"/>
-              <a:t>Схема </a:t>
-            </a:r>
-            <a:r>
-              <a:rPr lang="ru-RU" dirty="0" err="1" smtClean="0"/>
-              <a:t>блокчейн</a:t>
+              <a:t>логика</a:t>
             </a:r>
             <a:endParaRPr lang="ru-RU" dirty="0"/>
           </a:p>
@@ -13417,14 +13259,14 @@
           <p:nvPr>
             <p:extLst>
               <p:ext uri="{D42A27DB-BD31-4B8C-83A1-F6EECF244321}">
-                <p14:modId xmlns:p14="http://schemas.microsoft.com/office/powerpoint/2010/main" val="1655406892"/>
+                <p14:modId xmlns:p14="http://schemas.microsoft.com/office/powerpoint/2010/main" val="1793735807"/>
               </p:ext>
             </p:extLst>
           </p:nvPr>
         </p:nvGraphicFramePr>
         <p:xfrm>
-          <a:off x="24645" y="224989"/>
-          <a:ext cx="8128000" cy="5418667"/>
+          <a:off x="1" y="138023"/>
+          <a:ext cx="6685612" cy="6349041"/>
         </p:xfrm>
         <a:graphic>
           <a:graphicData uri="http://schemas.openxmlformats.org/drawingml/2006/diagram">
@@ -13440,8 +13282,8 @@
         </p:nvSpPr>
         <p:spPr>
           <a:xfrm>
-            <a:off x="6685613" y="137"/>
-            <a:ext cx="5506387" cy="3785652"/>
+            <a:off x="7401465" y="327940"/>
+            <a:ext cx="4341963" cy="4524315"/>
           </a:xfrm>
           <a:prstGeom prst="rect">
             <a:avLst/>
@@ -13455,17 +13297,17 @@
           <a:lstStyle/>
           <a:p>
             <a:r>
-              <a:rPr lang="ru-RU" sz="2400" b="1" u="sng" dirty="0" smtClean="0"/>
+              <a:rPr lang="ru-RU" sz="2800" b="1" u="sng" dirty="0" smtClean="0"/>
               <a:t>Что использовано</a:t>
             </a:r>
-            <a:endParaRPr lang="ru-RU" dirty="0" smtClean="0"/>
+            <a:endParaRPr lang="ru-RU" sz="2000" dirty="0" smtClean="0"/>
           </a:p>
           <a:p>
             <a:pPr marL="342900" indent="-342900">
               <a:buFont typeface="+mj-lt"/>
               <a:buAutoNum type="arabicPeriod"/>
             </a:pPr>
-            <a:endParaRPr lang="ru-RU" dirty="0" smtClean="0"/>
+            <a:endParaRPr lang="ru-RU" sz="2000" dirty="0" smtClean="0"/>
           </a:p>
           <a:p>
             <a:pPr marL="342900" indent="-342900">
@@ -13473,14 +13315,14 @@
               <a:buAutoNum type="arabicPeriod"/>
             </a:pPr>
             <a:r>
-              <a:rPr lang="en-US" b="1" dirty="0" smtClean="0"/>
+              <a:rPr lang="en-US" sz="2000" b="1" dirty="0" smtClean="0"/>
               <a:t>Modifiers</a:t>
             </a:r>
             <a:r>
-              <a:rPr lang="ru-RU" dirty="0" smtClean="0"/>
+              <a:rPr lang="ru-RU" sz="2000" dirty="0" smtClean="0"/>
               <a:t> – только владелец оперирует деньгами</a:t>
             </a:r>
-            <a:endParaRPr lang="en-US" dirty="0" smtClean="0"/>
+            <a:endParaRPr lang="en-US" sz="2000" dirty="0" smtClean="0"/>
           </a:p>
           <a:p>
             <a:pPr marL="342900" indent="-342900">
@@ -13488,34 +13330,34 @@
               <a:buAutoNum type="arabicPeriod"/>
             </a:pPr>
             <a:r>
-              <a:rPr lang="en-US" b="1" dirty="0" smtClean="0"/>
+              <a:rPr lang="en-US" sz="2000" b="1" dirty="0" smtClean="0"/>
               <a:t>Mappings</a:t>
             </a:r>
             <a:r>
-              <a:rPr lang="ru-RU" b="1" dirty="0" smtClean="0"/>
+              <a:rPr lang="ru-RU" sz="2000" b="1" dirty="0" smtClean="0"/>
               <a:t> </a:t>
             </a:r>
             <a:r>
-              <a:rPr lang="ru-RU" dirty="0" smtClean="0"/>
-              <a:t>– член </a:t>
+              <a:rPr lang="ru-RU" sz="2000" dirty="0" smtClean="0"/>
+              <a:t>– </a:t>
             </a:r>
             <a:r>
-              <a:rPr lang="ru-RU" dirty="0" err="1" smtClean="0"/>
-              <a:t>коммьюнити</a:t>
+              <a:rPr lang="ru-RU" sz="2000" dirty="0" smtClean="0"/>
+              <a:t>участник, </a:t>
             </a:r>
             <a:r>
-              <a:rPr lang="ru-RU" dirty="0" smtClean="0"/>
-              <a:t>, потреблённая</a:t>
+              <a:rPr lang="ru-RU" sz="2000" dirty="0" smtClean="0"/>
+              <a:t> потреблённая</a:t>
             </a:r>
             <a:r>
-              <a:rPr lang="en-US" dirty="0" smtClean="0"/>
+              <a:rPr lang="en-US" sz="2000" dirty="0" smtClean="0"/>
               <a:t>/</a:t>
             </a:r>
             <a:r>
-              <a:rPr lang="ru-RU" dirty="0" smtClean="0"/>
+              <a:rPr lang="ru-RU" sz="2000" dirty="0" smtClean="0"/>
               <a:t>сгенерированная энергия, названия участников</a:t>
             </a:r>
-            <a:endParaRPr lang="en-US" b="1" dirty="0" smtClean="0"/>
+            <a:endParaRPr lang="en-US" sz="2000" b="1" dirty="0" smtClean="0"/>
           </a:p>
           <a:p>
             <a:pPr marL="342900" indent="-342900">
@@ -13523,10 +13365,10 @@
               <a:buAutoNum type="arabicPeriod"/>
             </a:pPr>
             <a:r>
-              <a:rPr lang="en-US" b="1" dirty="0" err="1" smtClean="0"/>
+              <a:rPr lang="en-US" sz="2000" b="1" dirty="0" err="1" smtClean="0"/>
               <a:t>addNewMember</a:t>
             </a:r>
-            <a:endParaRPr lang="en-US" b="1" dirty="0" smtClean="0"/>
+            <a:endParaRPr lang="en-US" sz="2000" b="1" dirty="0" smtClean="0"/>
           </a:p>
           <a:p>
             <a:pPr marL="342900" indent="-342900">
@@ -13534,10 +13376,10 @@
               <a:buAutoNum type="arabicPeriod"/>
             </a:pPr>
             <a:r>
-              <a:rPr lang="en-US" b="1" dirty="0" err="1" smtClean="0"/>
+              <a:rPr lang="en-US" sz="2000" b="1" dirty="0" err="1" smtClean="0"/>
               <a:t>declareGenerated</a:t>
             </a:r>
-            <a:endParaRPr lang="en-US" b="1" dirty="0" smtClean="0"/>
+            <a:endParaRPr lang="en-US" sz="2000" b="1" dirty="0" smtClean="0"/>
           </a:p>
           <a:p>
             <a:pPr marL="342900" indent="-342900">
@@ -13545,10 +13387,10 @@
               <a:buAutoNum type="arabicPeriod"/>
             </a:pPr>
             <a:r>
-              <a:rPr lang="en-US" b="1" dirty="0" err="1" smtClean="0"/>
+              <a:rPr lang="en-US" sz="2000" b="1" dirty="0" err="1" smtClean="0"/>
               <a:t>declareConsumed</a:t>
             </a:r>
-            <a:endParaRPr lang="en-US" b="1" dirty="0" smtClean="0"/>
+            <a:endParaRPr lang="en-US" sz="2000" b="1" dirty="0" smtClean="0"/>
           </a:p>
           <a:p>
             <a:pPr marL="342900" indent="-342900">
@@ -13556,19 +13398,19 @@
               <a:buAutoNum type="arabicPeriod"/>
             </a:pPr>
             <a:r>
-              <a:rPr lang="en-US" b="1" dirty="0" smtClean="0"/>
-              <a:t>Deposi</a:t>
+              <a:rPr lang="en-US" sz="2000" b="1" dirty="0" smtClean="0"/>
+              <a:t>Deposit</a:t>
             </a:r>
             <a:r>
-              <a:rPr lang="en-US" b="1" dirty="0" smtClean="0"/>
-              <a:t>t</a:t>
+              <a:rPr lang="en-US" sz="2000" dirty="0" smtClean="0"/>
+              <a:t> </a:t>
             </a:r>
             <a:r>
-              <a:rPr lang="en-US" dirty="0" smtClean="0"/>
-              <a:t> – </a:t>
+              <a:rPr lang="en-US" sz="2000" dirty="0" smtClean="0"/>
+              <a:t>– </a:t>
             </a:r>
             <a:r>
-              <a:rPr lang="ru-RU" dirty="0" smtClean="0"/>
+              <a:rPr lang="ru-RU" sz="2000" dirty="0" smtClean="0"/>
               <a:t>депонирование средств на контракт</a:t>
             </a:r>
           </a:p>
@@ -13578,18 +13420,82 @@
               <a:buAutoNum type="arabicPeriod"/>
             </a:pPr>
             <a:r>
-              <a:rPr lang="en-US" b="1" dirty="0" smtClean="0"/>
+              <a:rPr lang="en-US" sz="2000" b="1" dirty="0" smtClean="0"/>
               <a:t>Settle</a:t>
             </a:r>
             <a:r>
-              <a:rPr lang="en-US" dirty="0" smtClean="0"/>
+              <a:rPr lang="en-US" sz="2000" dirty="0" smtClean="0"/>
               <a:t> – </a:t>
             </a:r>
             <a:r>
-              <a:rPr lang="ru-RU" dirty="0" smtClean="0"/>
+              <a:rPr lang="ru-RU" sz="2000" dirty="0" smtClean="0"/>
               <a:t>расчёт окончательный</a:t>
             </a:r>
+            <a:endParaRPr lang="ru-RU" sz="2000" dirty="0"/>
+          </a:p>
+        </p:txBody>
+      </p:sp>
+      <p:sp>
+        <p:nvSpPr>
+          <p:cNvPr id="3" name="TextBox 2"/>
+          <p:cNvSpPr txBox="1"/>
+          <p:nvPr/>
+        </p:nvSpPr>
+        <p:spPr>
+          <a:xfrm>
+            <a:off x="414068" y="6280030"/>
+            <a:ext cx="4084773" cy="369332"/>
+          </a:xfrm>
+          <a:prstGeom prst="rect">
+            <a:avLst/>
+          </a:prstGeom>
+          <a:noFill/>
+        </p:spPr>
+        <p:txBody>
+          <a:bodyPr wrap="none" rtlCol="0">
+            <a:spAutoFit/>
+          </a:bodyPr>
+          <a:lstStyle/>
+          <a:p>
+            <a:r>
+              <a:rPr lang="en-US" dirty="0" smtClean="0"/>
+              <a:t>* EOA – Externally Owned Accoun</a:t>
+            </a:r>
+            <a:r>
+              <a:rPr lang="en-US" dirty="0"/>
+              <a:t>t</a:t>
+            </a:r>
             <a:endParaRPr lang="ru-RU" dirty="0"/>
+          </a:p>
+        </p:txBody>
+      </p:sp>
+      <p:sp>
+        <p:nvSpPr>
+          <p:cNvPr id="4" name="TextBox 3"/>
+          <p:cNvSpPr txBox="1"/>
+          <p:nvPr/>
+        </p:nvSpPr>
+        <p:spPr>
+          <a:xfrm>
+            <a:off x="2456454" y="1383480"/>
+            <a:ext cx="1677062" cy="523220"/>
+          </a:xfrm>
+          <a:prstGeom prst="rect">
+            <a:avLst/>
+          </a:prstGeom>
+          <a:noFill/>
+        </p:spPr>
+        <p:txBody>
+          <a:bodyPr wrap="none" rtlCol="0">
+            <a:spAutoFit/>
+          </a:bodyPr>
+          <a:lstStyle/>
+          <a:p>
+            <a:r>
+              <a:rPr lang="en-US" sz="2800" b="1" dirty="0" err="1" smtClean="0"/>
+              <a:t>Etherium</a:t>
+            </a:r>
+            <a:endParaRPr lang="ru-RU" sz="2800" b="1" dirty="0"/>
           </a:p>
         </p:txBody>
       </p:sp>
@@ -13603,6 +13509,13 @@
   <p:clrMapOvr>
     <a:masterClrMapping/>
   </p:clrMapOvr>
+  <p:timing>
+    <p:tnLst>
+      <p:par>
+        <p:cTn id="1" dur="indefinite" restart="never" nodeType="tmRoot"/>
+      </p:par>
+    </p:tnLst>
+  </p:timing>
 </p:sld>
 </file>
 
